--- a/Repeat Photography.pptx
+++ b/Repeat Photography.pptx
@@ -8,10 +8,14 @@
     <p:sldId id="256" r:id="rId2"/>
     <p:sldId id="257" r:id="rId3"/>
     <p:sldId id="258" r:id="rId4"/>
-    <p:sldId id="263" r:id="rId5"/>
-    <p:sldId id="259" r:id="rId6"/>
-    <p:sldId id="261" r:id="rId7"/>
-    <p:sldId id="262" r:id="rId8"/>
+    <p:sldId id="264" r:id="rId5"/>
+    <p:sldId id="265" r:id="rId6"/>
+    <p:sldId id="266" r:id="rId7"/>
+    <p:sldId id="267" r:id="rId8"/>
+    <p:sldId id="263" r:id="rId9"/>
+    <p:sldId id="259" r:id="rId10"/>
+    <p:sldId id="261" r:id="rId11"/>
+    <p:sldId id="262" r:id="rId12"/>
   </p:sldIdLst>
   <p:sldSz cx="12192000" cy="6858000"/>
   <p:notesSz cx="6858000" cy="9144000"/>
@@ -110,7 +114,20 @@
       </a:defRPr>
     </a:lvl9pPr>
   </p:defaultTextStyle>
+  <p:extLst>
+    <p:ext uri="{EFAFB233-063F-42B5-8137-9DF3F51BA10A}">
+      <p15:sldGuideLst xmlns:p15="http://schemas.microsoft.com/office/powerpoint/2012/main"/>
+    </p:ext>
+  </p:extLst>
 </p:presentation>
+</file>
+
+<file path=ppt/revisionInfo.xml><?xml version="1.0" encoding="utf-8"?>
+<p1510:revInfo xmlns:a="http://schemas.openxmlformats.org/drawingml/2006/main" xmlns:r="http://schemas.openxmlformats.org/officeDocument/2006/relationships" xmlns:p1510="http://schemas.microsoft.com/office/powerpoint/2015/10/main">
+  <p1510:revLst>
+    <p1510:client id="{02A42944-7BF9-49E2-99E7-DB4E6B2295A3}" v="238" dt="2019-11-24T17:20:11.671"/>
+  </p1510:revLst>
+</p1510:revInfo>
 </file>
 
 <file path=ppt/diagrams/colors1.xml><?xml version="1.0" encoding="utf-8"?>
@@ -9280,7 +9297,7 @@
             <a:fld id="{B61BEF0D-F0BB-DE4B-95CE-6DB70DBA9567}" type="datetimeFigureOut">
               <a:rPr lang="en-US" dirty="0"/>
               <a:pPr/>
-              <a:t>11/22/2019</a:t>
+              <a:t>11/24/2019</a:t>
             </a:fld>
             <a:endParaRPr lang="en-US" dirty="0"/>
           </a:p>
@@ -9528,7 +9545,7 @@
             <a:fld id="{B61BEF0D-F0BB-DE4B-95CE-6DB70DBA9567}" type="datetimeFigureOut">
               <a:rPr lang="en-US" dirty="0"/>
               <a:pPr/>
-              <a:t>11/22/2019</a:t>
+              <a:t>11/24/2019</a:t>
             </a:fld>
             <a:endParaRPr lang="en-US" dirty="0"/>
           </a:p>
@@ -9839,7 +9856,7 @@
             <a:fld id="{B61BEF0D-F0BB-DE4B-95CE-6DB70DBA9567}" type="datetimeFigureOut">
               <a:rPr lang="en-US" dirty="0"/>
               <a:pPr/>
-              <a:t>11/22/2019</a:t>
+              <a:t>11/24/2019</a:t>
             </a:fld>
             <a:endParaRPr lang="en-US" dirty="0"/>
           </a:p>
@@ -10169,7 +10186,7 @@
             <a:fld id="{B61BEF0D-F0BB-DE4B-95CE-6DB70DBA9567}" type="datetimeFigureOut">
               <a:rPr lang="en-US" dirty="0"/>
               <a:pPr/>
-              <a:t>11/22/2019</a:t>
+              <a:t>11/24/2019</a:t>
             </a:fld>
             <a:endParaRPr lang="en-US" dirty="0"/>
           </a:p>
@@ -10480,7 +10497,7 @@
             <a:fld id="{B61BEF0D-F0BB-DE4B-95CE-6DB70DBA9567}" type="datetimeFigureOut">
               <a:rPr lang="en-US" dirty="0"/>
               <a:pPr/>
-              <a:t>11/22/2019</a:t>
+              <a:t>11/24/2019</a:t>
             </a:fld>
             <a:endParaRPr lang="en-US" dirty="0"/>
           </a:p>
@@ -10870,7 +10887,7 @@
             <a:fld id="{B61BEF0D-F0BB-DE4B-95CE-6DB70DBA9567}" type="datetimeFigureOut">
               <a:rPr lang="en-US" dirty="0"/>
               <a:pPr/>
-              <a:t>11/22/2019</a:t>
+              <a:t>11/24/2019</a:t>
             </a:fld>
             <a:endParaRPr lang="en-US" dirty="0"/>
           </a:p>
@@ -11036,7 +11053,7 @@
           <a:p>
             <a:fld id="{55C6B4A9-1611-4792-9094-5F34BCA07E0B}" type="datetimeFigureOut">
               <a:rPr lang="en-US" dirty="0"/>
-              <a:t>11/22/2019</a:t>
+              <a:t>11/24/2019</a:t>
             </a:fld>
             <a:endParaRPr lang="en-US" dirty="0"/>
           </a:p>
@@ -11212,7 +11229,7 @@
             <a:fld id="{B61BEF0D-F0BB-DE4B-95CE-6DB70DBA9567}" type="datetimeFigureOut">
               <a:rPr lang="en-US" dirty="0"/>
               <a:pPr/>
-              <a:t>11/22/2019</a:t>
+              <a:t>11/24/2019</a:t>
             </a:fld>
             <a:endParaRPr lang="en-US" dirty="0"/>
           </a:p>
@@ -11378,7 +11395,7 @@
           <a:p>
             <a:fld id="{42A54C80-263E-416B-A8E0-580EDEADCBDC}" type="datetimeFigureOut">
               <a:rPr lang="en-US" dirty="0"/>
-              <a:t>11/22/2019</a:t>
+              <a:t>11/24/2019</a:t>
             </a:fld>
             <a:endParaRPr lang="en-US" dirty="0"/>
           </a:p>
@@ -11621,7 +11638,7 @@
             <a:fld id="{B61BEF0D-F0BB-DE4B-95CE-6DB70DBA9567}" type="datetimeFigureOut">
               <a:rPr lang="en-US" dirty="0"/>
               <a:pPr/>
-              <a:t>11/22/2019</a:t>
+              <a:t>11/24/2019</a:t>
             </a:fld>
             <a:endParaRPr lang="en-US" dirty="0"/>
           </a:p>
@@ -11849,7 +11866,7 @@
           <a:p>
             <a:fld id="{42A54C80-263E-416B-A8E0-580EDEADCBDC}" type="datetimeFigureOut">
               <a:rPr lang="en-US" dirty="0"/>
-              <a:t>11/22/2019</a:t>
+              <a:t>11/24/2019</a:t>
             </a:fld>
             <a:endParaRPr lang="en-US" dirty="0"/>
           </a:p>
@@ -12219,7 +12236,7 @@
             <a:fld id="{B61BEF0D-F0BB-DE4B-95CE-6DB70DBA9567}" type="datetimeFigureOut">
               <a:rPr lang="en-US" dirty="0"/>
               <a:pPr/>
-              <a:t>11/22/2019</a:t>
+              <a:t>11/24/2019</a:t>
             </a:fld>
             <a:endParaRPr lang="en-US" dirty="0"/>
           </a:p>
@@ -12339,7 +12356,7 @@
             <a:fld id="{B61BEF0D-F0BB-DE4B-95CE-6DB70DBA9567}" type="datetimeFigureOut">
               <a:rPr lang="en-US" dirty="0"/>
               <a:pPr/>
-              <a:t>11/22/2019</a:t>
+              <a:t>11/24/2019</a:t>
             </a:fld>
             <a:endParaRPr lang="en-US" dirty="0"/>
           </a:p>
@@ -12431,7 +12448,7 @@
             <a:fld id="{B61BEF0D-F0BB-DE4B-95CE-6DB70DBA9567}" type="datetimeFigureOut">
               <a:rPr lang="en-US" dirty="0"/>
               <a:pPr/>
-              <a:t>11/22/2019</a:t>
+              <a:t>11/24/2019</a:t>
             </a:fld>
             <a:endParaRPr lang="en-US" dirty="0"/>
           </a:p>
@@ -12682,7 +12699,7 @@
           <a:p>
             <a:fld id="{42A54C80-263E-416B-A8E0-580EDEADCBDC}" type="datetimeFigureOut">
               <a:rPr lang="en-US" dirty="0"/>
-              <a:t>11/22/2019</a:t>
+              <a:t>11/24/2019</a:t>
             </a:fld>
             <a:endParaRPr lang="en-US" dirty="0"/>
           </a:p>
@@ -12983,7 +13000,7 @@
             <a:fld id="{B61BEF0D-F0BB-DE4B-95CE-6DB70DBA9567}" type="datetimeFigureOut">
               <a:rPr lang="en-US" dirty="0"/>
               <a:pPr/>
-              <a:t>11/22/2019</a:t>
+              <a:t>11/24/2019</a:t>
             </a:fld>
             <a:endParaRPr lang="en-US" dirty="0"/>
           </a:p>
@@ -13681,7 +13698,7 @@
             <a:fld id="{B61BEF0D-F0BB-DE4B-95CE-6DB70DBA9567}" type="datetimeFigureOut">
               <a:rPr lang="en-US" dirty="0"/>
               <a:pPr/>
-              <a:t>11/22/2019</a:t>
+              <a:t>11/24/2019</a:t>
             </a:fld>
             <a:endParaRPr lang="en-US" dirty="0"/>
           </a:p>
@@ -14325,355 +14342,7 @@
 </p:sld>
 </file>
 
-<file path=ppt/slides/slide2.xml><?xml version="1.0" encoding="utf-8"?>
-<p:sld xmlns:a="http://schemas.openxmlformats.org/drawingml/2006/main" xmlns:r="http://schemas.openxmlformats.org/officeDocument/2006/relationships" xmlns:p="http://schemas.openxmlformats.org/presentationml/2006/main">
-  <p:cSld>
-    <p:spTree>
-      <p:nvGrpSpPr>
-        <p:cNvPr id="1" name=""/>
-        <p:cNvGrpSpPr/>
-        <p:nvPr/>
-      </p:nvGrpSpPr>
-      <p:grpSpPr>
-        <a:xfrm>
-          <a:off x="0" y="0"/>
-          <a:ext cx="0" cy="0"/>
-          <a:chOff x="0" y="0"/>
-          <a:chExt cx="0" cy="0"/>
-        </a:xfrm>
-      </p:grpSpPr>
-      <p:sp>
-        <p:nvSpPr>
-          <p:cNvPr id="2" name="Title 1">
-            <a:extLst>
-              <a:ext uri="{FF2B5EF4-FFF2-40B4-BE49-F238E27FC236}">
-                <a16:creationId xmlns:a16="http://schemas.microsoft.com/office/drawing/2014/main" id="{39A2726D-9398-4A30-9F42-43B5912A6D58}"/>
-              </a:ext>
-            </a:extLst>
-          </p:cNvPr>
-          <p:cNvSpPr>
-            <a:spLocks noGrp="1"/>
-          </p:cNvSpPr>
-          <p:nvPr>
-            <p:ph type="title"/>
-          </p:nvPr>
-        </p:nvSpPr>
-        <p:spPr/>
-        <p:txBody>
-          <a:bodyPr/>
-          <a:lstStyle/>
-          <a:p>
-            <a:r>
-              <a:rPr lang="en-IE" dirty="0"/>
-              <a:t>The Plan</a:t>
-            </a:r>
-            <a:endParaRPr lang="en-150" dirty="0"/>
-          </a:p>
-        </p:txBody>
-      </p:sp>
-      <p:graphicFrame>
-        <p:nvGraphicFramePr>
-          <p:cNvPr id="4" name="Content Placeholder 3">
-            <a:extLst>
-              <a:ext uri="{FF2B5EF4-FFF2-40B4-BE49-F238E27FC236}">
-                <a16:creationId xmlns:a16="http://schemas.microsoft.com/office/drawing/2014/main" id="{BDC0D5C6-A6AB-4B0A-A5FA-63E796938FE8}"/>
-              </a:ext>
-            </a:extLst>
-          </p:cNvPr>
-          <p:cNvGraphicFramePr>
-            <a:graphicFrameLocks noGrp="1"/>
-          </p:cNvGraphicFramePr>
-          <p:nvPr>
-            <p:ph idx="1"/>
-            <p:extLst>
-              <p:ext uri="{D42A27DB-BD31-4B8C-83A1-F6EECF244321}">
-                <p14:modId xmlns:p14="http://schemas.microsoft.com/office/powerpoint/2010/main" val="2697775206"/>
-              </p:ext>
-            </p:extLst>
-          </p:nvPr>
-        </p:nvGraphicFramePr>
-        <p:xfrm>
-          <a:off x="677334" y="1660991"/>
-          <a:ext cx="9216360" cy="4587409"/>
-        </p:xfrm>
-        <a:graphic>
-          <a:graphicData uri="http://schemas.openxmlformats.org/drawingml/2006/diagram">
-            <dgm:relIds xmlns:dgm="http://schemas.openxmlformats.org/drawingml/2006/diagram" xmlns:r="http://schemas.openxmlformats.org/officeDocument/2006/relationships" r:dm="rId2" r:lo="rId3" r:qs="rId4" r:cs="rId5"/>
-          </a:graphicData>
-        </a:graphic>
-      </p:graphicFrame>
-    </p:spTree>
-    <p:extLst>
-      <p:ext uri="{BB962C8B-B14F-4D97-AF65-F5344CB8AC3E}">
-        <p14:creationId xmlns:p14="http://schemas.microsoft.com/office/powerpoint/2010/main" val="1120646966"/>
-      </p:ext>
-    </p:extLst>
-  </p:cSld>
-  <p:clrMapOvr>
-    <a:masterClrMapping/>
-  </p:clrMapOvr>
-</p:sld>
-</file>
-
-<file path=ppt/slides/slide3.xml><?xml version="1.0" encoding="utf-8"?>
-<p:sld xmlns:a="http://schemas.openxmlformats.org/drawingml/2006/main" xmlns:r="http://schemas.openxmlformats.org/officeDocument/2006/relationships" xmlns:p="http://schemas.openxmlformats.org/presentationml/2006/main">
-  <p:cSld>
-    <p:spTree>
-      <p:nvGrpSpPr>
-        <p:cNvPr id="1" name=""/>
-        <p:cNvGrpSpPr/>
-        <p:nvPr/>
-      </p:nvGrpSpPr>
-      <p:grpSpPr>
-        <a:xfrm>
-          <a:off x="0" y="0"/>
-          <a:ext cx="0" cy="0"/>
-          <a:chOff x="0" y="0"/>
-          <a:chExt cx="0" cy="0"/>
-        </a:xfrm>
-      </p:grpSpPr>
-      <p:sp>
-        <p:nvSpPr>
-          <p:cNvPr id="2" name="Title 1">
-            <a:extLst>
-              <a:ext uri="{FF2B5EF4-FFF2-40B4-BE49-F238E27FC236}">
-                <a16:creationId xmlns:a16="http://schemas.microsoft.com/office/drawing/2014/main" id="{229D1FEB-EF49-4D62-946B-CB0A2DAE57D7}"/>
-              </a:ext>
-            </a:extLst>
-          </p:cNvPr>
-          <p:cNvSpPr>
-            <a:spLocks noGrp="1"/>
-          </p:cNvSpPr>
-          <p:nvPr>
-            <p:ph type="title"/>
-          </p:nvPr>
-        </p:nvSpPr>
-        <p:spPr/>
-        <p:txBody>
-          <a:bodyPr/>
-          <a:lstStyle/>
-          <a:p>
-            <a:r>
-              <a:rPr lang="en-IE" dirty="0"/>
-              <a:t>The New Plan</a:t>
-            </a:r>
-            <a:endParaRPr lang="en-150" dirty="0"/>
-          </a:p>
-        </p:txBody>
-      </p:sp>
-      <p:sp>
-        <p:nvSpPr>
-          <p:cNvPr id="3" name="Content Placeholder 2">
-            <a:extLst>
-              <a:ext uri="{FF2B5EF4-FFF2-40B4-BE49-F238E27FC236}">
-                <a16:creationId xmlns:a16="http://schemas.microsoft.com/office/drawing/2014/main" id="{4F1C3376-05E8-4F12-A9F8-BE72FB788124}"/>
-              </a:ext>
-            </a:extLst>
-          </p:cNvPr>
-          <p:cNvSpPr>
-            <a:spLocks noGrp="1"/>
-          </p:cNvSpPr>
-          <p:nvPr>
-            <p:ph idx="1"/>
-          </p:nvPr>
-        </p:nvSpPr>
-        <p:spPr/>
-        <p:txBody>
-          <a:bodyPr/>
-          <a:lstStyle/>
-          <a:p>
-            <a:endParaRPr lang="en-150" dirty="0"/>
-          </a:p>
-        </p:txBody>
-      </p:sp>
-    </p:spTree>
-    <p:extLst>
-      <p:ext uri="{BB962C8B-B14F-4D97-AF65-F5344CB8AC3E}">
-        <p14:creationId xmlns:p14="http://schemas.microsoft.com/office/powerpoint/2010/main" val="4277572451"/>
-      </p:ext>
-    </p:extLst>
-  </p:cSld>
-  <p:clrMapOvr>
-    <a:masterClrMapping/>
-  </p:clrMapOvr>
-</p:sld>
-</file>
-
-<file path=ppt/slides/slide4.xml><?xml version="1.0" encoding="utf-8"?>
-<p:sld xmlns:a="http://schemas.openxmlformats.org/drawingml/2006/main" xmlns:r="http://schemas.openxmlformats.org/officeDocument/2006/relationships" xmlns:p="http://schemas.openxmlformats.org/presentationml/2006/main">
-  <p:cSld>
-    <p:spTree>
-      <p:nvGrpSpPr>
-        <p:cNvPr id="1" name=""/>
-        <p:cNvGrpSpPr/>
-        <p:nvPr/>
-      </p:nvGrpSpPr>
-      <p:grpSpPr>
-        <a:xfrm>
-          <a:off x="0" y="0"/>
-          <a:ext cx="0" cy="0"/>
-          <a:chOff x="0" y="0"/>
-          <a:chExt cx="0" cy="0"/>
-        </a:xfrm>
-      </p:grpSpPr>
-      <p:sp>
-        <p:nvSpPr>
-          <p:cNvPr id="2" name="Title 1">
-            <a:extLst>
-              <a:ext uri="{FF2B5EF4-FFF2-40B4-BE49-F238E27FC236}">
-                <a16:creationId xmlns:a16="http://schemas.microsoft.com/office/drawing/2014/main" id="{04BF7172-0797-4B85-8622-E75865A865A9}"/>
-              </a:ext>
-            </a:extLst>
-          </p:cNvPr>
-          <p:cNvSpPr>
-            <a:spLocks noGrp="1"/>
-          </p:cNvSpPr>
-          <p:nvPr>
-            <p:ph type="title"/>
-          </p:nvPr>
-        </p:nvSpPr>
-        <p:spPr/>
-        <p:txBody>
-          <a:bodyPr/>
-          <a:lstStyle/>
-          <a:p>
-            <a:r>
-              <a:rPr lang="en-IE" dirty="0"/>
-              <a:t>Feature finding</a:t>
-            </a:r>
-            <a:endParaRPr lang="en-150" dirty="0"/>
-          </a:p>
-        </p:txBody>
-      </p:sp>
-      <p:sp>
-        <p:nvSpPr>
-          <p:cNvPr id="3" name="Content Placeholder 2">
-            <a:extLst>
-              <a:ext uri="{FF2B5EF4-FFF2-40B4-BE49-F238E27FC236}">
-                <a16:creationId xmlns:a16="http://schemas.microsoft.com/office/drawing/2014/main" id="{17E1A1F9-A7B7-43F3-9EDC-BB7E84290265}"/>
-              </a:ext>
-            </a:extLst>
-          </p:cNvPr>
-          <p:cNvSpPr>
-            <a:spLocks noGrp="1"/>
-          </p:cNvSpPr>
-          <p:nvPr>
-            <p:ph idx="1"/>
-          </p:nvPr>
-        </p:nvSpPr>
-        <p:spPr/>
-        <p:txBody>
-          <a:bodyPr/>
-          <a:lstStyle/>
-          <a:p>
-            <a:endParaRPr lang="en-150"/>
-          </a:p>
-        </p:txBody>
-      </p:sp>
-    </p:spTree>
-    <p:extLst>
-      <p:ext uri="{BB962C8B-B14F-4D97-AF65-F5344CB8AC3E}">
-        <p14:creationId xmlns:p14="http://schemas.microsoft.com/office/powerpoint/2010/main" val="2690344496"/>
-      </p:ext>
-    </p:extLst>
-  </p:cSld>
-  <p:clrMapOvr>
-    <a:masterClrMapping/>
-  </p:clrMapOvr>
-</p:sld>
-</file>
-
-<file path=ppt/slides/slide5.xml><?xml version="1.0" encoding="utf-8"?>
-<p:sld xmlns:a="http://schemas.openxmlformats.org/drawingml/2006/main" xmlns:r="http://schemas.openxmlformats.org/officeDocument/2006/relationships" xmlns:p="http://schemas.openxmlformats.org/presentationml/2006/main">
-  <p:cSld>
-    <p:spTree>
-      <p:nvGrpSpPr>
-        <p:cNvPr id="1" name=""/>
-        <p:cNvGrpSpPr/>
-        <p:nvPr/>
-      </p:nvGrpSpPr>
-      <p:grpSpPr>
-        <a:xfrm>
-          <a:off x="0" y="0"/>
-          <a:ext cx="0" cy="0"/>
-          <a:chOff x="0" y="0"/>
-          <a:chExt cx="0" cy="0"/>
-        </a:xfrm>
-      </p:grpSpPr>
-      <p:sp>
-        <p:nvSpPr>
-          <p:cNvPr id="2" name="Title 1">
-            <a:extLst>
-              <a:ext uri="{FF2B5EF4-FFF2-40B4-BE49-F238E27FC236}">
-                <a16:creationId xmlns:a16="http://schemas.microsoft.com/office/drawing/2014/main" id="{6AD1CAD4-A235-4C50-B26C-A64673BEAB26}"/>
-              </a:ext>
-            </a:extLst>
-          </p:cNvPr>
-          <p:cNvSpPr>
-            <a:spLocks noGrp="1"/>
-          </p:cNvSpPr>
-          <p:nvPr>
-            <p:ph type="title"/>
-          </p:nvPr>
-        </p:nvSpPr>
-        <p:spPr/>
-        <p:txBody>
-          <a:bodyPr/>
-          <a:lstStyle/>
-          <a:p>
-            <a:r>
-              <a:rPr lang="en-IE" dirty="0"/>
-              <a:t>Masking &amp; morphology</a:t>
-            </a:r>
-            <a:endParaRPr lang="en-150" dirty="0"/>
-          </a:p>
-        </p:txBody>
-      </p:sp>
-      <p:graphicFrame>
-        <p:nvGraphicFramePr>
-          <p:cNvPr id="4" name="Content Placeholder 3">
-            <a:extLst>
-              <a:ext uri="{FF2B5EF4-FFF2-40B4-BE49-F238E27FC236}">
-                <a16:creationId xmlns:a16="http://schemas.microsoft.com/office/drawing/2014/main" id="{A04A9191-33D7-4A12-8579-2E4CF4991420}"/>
-              </a:ext>
-            </a:extLst>
-          </p:cNvPr>
-          <p:cNvGraphicFramePr>
-            <a:graphicFrameLocks noGrp="1"/>
-          </p:cNvGraphicFramePr>
-          <p:nvPr>
-            <p:ph idx="1"/>
-            <p:extLst>
-              <p:ext uri="{D42A27DB-BD31-4B8C-83A1-F6EECF244321}">
-                <p14:modId xmlns:p14="http://schemas.microsoft.com/office/powerpoint/2010/main" val="2851793413"/>
-              </p:ext>
-            </p:extLst>
-          </p:nvPr>
-        </p:nvGraphicFramePr>
-        <p:xfrm>
-          <a:off x="677334" y="1930400"/>
-          <a:ext cx="8596668" cy="3880773"/>
-        </p:xfrm>
-        <a:graphic>
-          <a:graphicData uri="http://schemas.openxmlformats.org/drawingml/2006/diagram">
-            <dgm:relIds xmlns:dgm="http://schemas.openxmlformats.org/drawingml/2006/diagram" xmlns:r="http://schemas.openxmlformats.org/officeDocument/2006/relationships" r:dm="rId2" r:lo="rId3" r:qs="rId4" r:cs="rId5"/>
-          </a:graphicData>
-        </a:graphic>
-      </p:graphicFrame>
-    </p:spTree>
-    <p:extLst>
-      <p:ext uri="{BB962C8B-B14F-4D97-AF65-F5344CB8AC3E}">
-        <p14:creationId xmlns:p14="http://schemas.microsoft.com/office/powerpoint/2010/main" val="1726168728"/>
-      </p:ext>
-    </p:extLst>
-  </p:cSld>
-  <p:clrMapOvr>
-    <a:masterClrMapping/>
-  </p:clrMapOvr>
-</p:sld>
-</file>
-
-<file path=ppt/slides/slide6.xml><?xml version="1.0" encoding="utf-8"?>
+<file path=ppt/slides/slide10.xml><?xml version="1.0" encoding="utf-8"?>
 <p:sld xmlns:a="http://schemas.openxmlformats.org/drawingml/2006/main" xmlns:r="http://schemas.openxmlformats.org/officeDocument/2006/relationships" xmlns:p="http://schemas.openxmlformats.org/presentationml/2006/main">
   <p:cSld>
     <p:spTree>
@@ -14793,7 +14462,7 @@
 </p:sld>
 </file>
 
-<file path=ppt/slides/slide7.xml><?xml version="1.0" encoding="utf-8"?>
+<file path=ppt/slides/slide11.xml><?xml version="1.0" encoding="utf-8"?>
 <p:sld xmlns:a="http://schemas.openxmlformats.org/drawingml/2006/main" xmlns:r="http://schemas.openxmlformats.org/officeDocument/2006/relationships" xmlns:p="http://schemas.openxmlformats.org/presentationml/2006/main">
   <p:cSld>
     <p:spTree>
@@ -15082,6 +14751,2297 @@
     <p:extLst>
       <p:ext uri="{BB962C8B-B14F-4D97-AF65-F5344CB8AC3E}">
         <p14:creationId xmlns:p14="http://schemas.microsoft.com/office/powerpoint/2010/main" val="731375293"/>
+      </p:ext>
+    </p:extLst>
+  </p:cSld>
+  <p:clrMapOvr>
+    <a:masterClrMapping/>
+  </p:clrMapOvr>
+</p:sld>
+</file>
+
+<file path=ppt/slides/slide2.xml><?xml version="1.0" encoding="utf-8"?>
+<p:sld xmlns:a="http://schemas.openxmlformats.org/drawingml/2006/main" xmlns:r="http://schemas.openxmlformats.org/officeDocument/2006/relationships" xmlns:p="http://schemas.openxmlformats.org/presentationml/2006/main">
+  <p:cSld>
+    <p:spTree>
+      <p:nvGrpSpPr>
+        <p:cNvPr id="1" name=""/>
+        <p:cNvGrpSpPr/>
+        <p:nvPr/>
+      </p:nvGrpSpPr>
+      <p:grpSpPr>
+        <a:xfrm>
+          <a:off x="0" y="0"/>
+          <a:ext cx="0" cy="0"/>
+          <a:chOff x="0" y="0"/>
+          <a:chExt cx="0" cy="0"/>
+        </a:xfrm>
+      </p:grpSpPr>
+      <p:sp>
+        <p:nvSpPr>
+          <p:cNvPr id="2" name="Title 1">
+            <a:extLst>
+              <a:ext uri="{FF2B5EF4-FFF2-40B4-BE49-F238E27FC236}">
+                <a16:creationId xmlns:a16="http://schemas.microsoft.com/office/drawing/2014/main" id="{39A2726D-9398-4A30-9F42-43B5912A6D58}"/>
+              </a:ext>
+            </a:extLst>
+          </p:cNvPr>
+          <p:cNvSpPr>
+            <a:spLocks noGrp="1"/>
+          </p:cNvSpPr>
+          <p:nvPr>
+            <p:ph type="title"/>
+          </p:nvPr>
+        </p:nvSpPr>
+        <p:spPr/>
+        <p:txBody>
+          <a:bodyPr/>
+          <a:lstStyle/>
+          <a:p>
+            <a:r>
+              <a:rPr lang="en-IE" dirty="0"/>
+              <a:t>The Plan</a:t>
+            </a:r>
+            <a:endParaRPr lang="en-150" dirty="0"/>
+          </a:p>
+        </p:txBody>
+      </p:sp>
+      <p:graphicFrame>
+        <p:nvGraphicFramePr>
+          <p:cNvPr id="4" name="Content Placeholder 3">
+            <a:extLst>
+              <a:ext uri="{FF2B5EF4-FFF2-40B4-BE49-F238E27FC236}">
+                <a16:creationId xmlns:a16="http://schemas.microsoft.com/office/drawing/2014/main" id="{BDC0D5C6-A6AB-4B0A-A5FA-63E796938FE8}"/>
+              </a:ext>
+            </a:extLst>
+          </p:cNvPr>
+          <p:cNvGraphicFramePr>
+            <a:graphicFrameLocks noGrp="1"/>
+          </p:cNvGraphicFramePr>
+          <p:nvPr>
+            <p:ph idx="1"/>
+            <p:extLst>
+              <p:ext uri="{D42A27DB-BD31-4B8C-83A1-F6EECF244321}">
+                <p14:modId xmlns:p14="http://schemas.microsoft.com/office/powerpoint/2010/main" val="2697775206"/>
+              </p:ext>
+            </p:extLst>
+          </p:nvPr>
+        </p:nvGraphicFramePr>
+        <p:xfrm>
+          <a:off x="677334" y="1660991"/>
+          <a:ext cx="9216360" cy="4587409"/>
+        </p:xfrm>
+        <a:graphic>
+          <a:graphicData uri="http://schemas.openxmlformats.org/drawingml/2006/diagram">
+            <dgm:relIds xmlns:dgm="http://schemas.openxmlformats.org/drawingml/2006/diagram" xmlns:r="http://schemas.openxmlformats.org/officeDocument/2006/relationships" r:dm="rId2" r:lo="rId3" r:qs="rId4" r:cs="rId5"/>
+          </a:graphicData>
+        </a:graphic>
+      </p:graphicFrame>
+    </p:spTree>
+    <p:extLst>
+      <p:ext uri="{BB962C8B-B14F-4D97-AF65-F5344CB8AC3E}">
+        <p14:creationId xmlns:p14="http://schemas.microsoft.com/office/powerpoint/2010/main" val="1120646966"/>
+      </p:ext>
+    </p:extLst>
+  </p:cSld>
+  <p:clrMapOvr>
+    <a:masterClrMapping/>
+  </p:clrMapOvr>
+</p:sld>
+</file>
+
+<file path=ppt/slides/slide3.xml><?xml version="1.0" encoding="utf-8"?>
+<p:sld xmlns:a="http://schemas.openxmlformats.org/drawingml/2006/main" xmlns:r="http://schemas.openxmlformats.org/officeDocument/2006/relationships" xmlns:p="http://schemas.openxmlformats.org/presentationml/2006/main">
+  <p:cSld>
+    <p:bg>
+      <p:bgPr>
+        <a:solidFill>
+          <a:schemeClr val="bg1"/>
+        </a:solidFill>
+        <a:effectLst/>
+      </p:bgPr>
+    </p:bg>
+    <p:spTree>
+      <p:nvGrpSpPr>
+        <p:cNvPr id="1" name=""/>
+        <p:cNvGrpSpPr/>
+        <p:nvPr/>
+      </p:nvGrpSpPr>
+      <p:grpSpPr>
+        <a:xfrm>
+          <a:off x="0" y="0"/>
+          <a:ext cx="0" cy="0"/>
+          <a:chOff x="0" y="0"/>
+          <a:chExt cx="0" cy="0"/>
+        </a:xfrm>
+      </p:grpSpPr>
+      <p:sp useBgFill="1">
+        <p:nvSpPr>
+          <p:cNvPr id="11" name="Rectangle 10">
+            <a:extLst>
+              <a:ext uri="{FF2B5EF4-FFF2-40B4-BE49-F238E27FC236}">
+                <a16:creationId xmlns:a16="http://schemas.microsoft.com/office/drawing/2014/main" id="{9F4444CE-BC8D-4D61-B303-4C05614E62AB}"/>
+              </a:ext>
+              <a:ext uri="{C183D7F6-B498-43B3-948B-1728B52AA6E4}">
+                <adec:decorative xmlns:adec="http://schemas.microsoft.com/office/drawing/2017/decorative" val="1"/>
+              </a:ext>
+            </a:extLst>
+          </p:cNvPr>
+          <p:cNvSpPr>
+            <a:spLocks noGrp="1" noRot="1" noChangeAspect="1" noMove="1" noResize="1" noEditPoints="1" noAdjustHandles="1" noChangeArrowheads="1" noChangeShapeType="1" noTextEdit="1"/>
+          </p:cNvSpPr>
+          <p:nvPr>
+            <p:extLst>
+              <p:ext uri="{386F3935-93C4-4BCD-93E2-E3B085C9AB24}">
+                <p16:designElem xmlns:p16="http://schemas.microsoft.com/office/powerpoint/2015/main" val="1"/>
+              </p:ext>
+            </p:extLst>
+          </p:nvPr>
+        </p:nvSpPr>
+        <p:spPr>
+          <a:xfrm>
+            <a:off x="0" y="0"/>
+            <a:ext cx="12192000" cy="6858000"/>
+          </a:xfrm>
+          <a:prstGeom prst="rect">
+            <a:avLst/>
+          </a:prstGeom>
+          <a:ln>
+            <a:noFill/>
+          </a:ln>
+        </p:spPr>
+        <p:style>
+          <a:lnRef idx="2">
+            <a:schemeClr val="accent1">
+              <a:shade val="50000"/>
+            </a:schemeClr>
+          </a:lnRef>
+          <a:fillRef idx="1">
+            <a:schemeClr val="accent1"/>
+          </a:fillRef>
+          <a:effectRef idx="0">
+            <a:schemeClr val="accent1"/>
+          </a:effectRef>
+          <a:fontRef idx="minor">
+            <a:schemeClr val="lt1"/>
+          </a:fontRef>
+        </p:style>
+        <p:txBody>
+          <a:bodyPr rtlCol="0" anchor="ctr"/>
+          <a:lstStyle/>
+          <a:p>
+            <a:pPr algn="ctr"/>
+            <a:endParaRPr lang="en-US"/>
+          </a:p>
+        </p:txBody>
+      </p:sp>
+      <p:sp>
+        <p:nvSpPr>
+          <p:cNvPr id="13" name="Rectangle 12">
+            <a:extLst>
+              <a:ext uri="{FF2B5EF4-FFF2-40B4-BE49-F238E27FC236}">
+                <a16:creationId xmlns:a16="http://schemas.microsoft.com/office/drawing/2014/main" id="{62423CA5-E2E1-4789-B759-9906C1C94063}"/>
+              </a:ext>
+              <a:ext uri="{C183D7F6-B498-43B3-948B-1728B52AA6E4}">
+                <adec:decorative xmlns:adec="http://schemas.microsoft.com/office/drawing/2017/decorative" val="1"/>
+              </a:ext>
+            </a:extLst>
+          </p:cNvPr>
+          <p:cNvSpPr>
+            <a:spLocks noGrp="1" noRot="1" noChangeAspect="1" noMove="1" noResize="1" noEditPoints="1" noAdjustHandles="1" noChangeArrowheads="1" noChangeShapeType="1" noTextEdit="1"/>
+          </p:cNvSpPr>
+          <p:nvPr>
+            <p:extLst>
+              <p:ext uri="{386F3935-93C4-4BCD-93E2-E3B085C9AB24}">
+                <p16:designElem xmlns:p16="http://schemas.microsoft.com/office/powerpoint/2015/main" val="1"/>
+              </p:ext>
+            </p:extLst>
+          </p:nvPr>
+        </p:nvSpPr>
+        <p:spPr>
+          <a:xfrm>
+            <a:off x="0" y="-3"/>
+            <a:ext cx="4660126" cy="6858000"/>
+          </a:xfrm>
+          <a:prstGeom prst="rect">
+            <a:avLst/>
+          </a:prstGeom>
+          <a:solidFill>
+            <a:schemeClr val="tx2"/>
+          </a:solidFill>
+          <a:ln>
+            <a:noFill/>
+          </a:ln>
+          <a:effectLst/>
+        </p:spPr>
+        <p:style>
+          <a:lnRef idx="1">
+            <a:schemeClr val="accent1"/>
+          </a:lnRef>
+          <a:fillRef idx="3">
+            <a:schemeClr val="accent1"/>
+          </a:fillRef>
+          <a:effectRef idx="2">
+            <a:schemeClr val="accent1"/>
+          </a:effectRef>
+          <a:fontRef idx="minor">
+            <a:schemeClr val="lt1"/>
+          </a:fontRef>
+        </p:style>
+        <p:txBody>
+          <a:bodyPr/>
+          <a:lstStyle/>
+          <a:p>
+            <a:endParaRPr lang="en-US"/>
+          </a:p>
+        </p:txBody>
+      </p:sp>
+      <p:sp>
+        <p:nvSpPr>
+          <p:cNvPr id="15" name="Isosceles Triangle 14">
+            <a:extLst>
+              <a:ext uri="{FF2B5EF4-FFF2-40B4-BE49-F238E27FC236}">
+                <a16:creationId xmlns:a16="http://schemas.microsoft.com/office/drawing/2014/main" id="{73772B81-181F-48B7-8826-4D9686D15DF5}"/>
+              </a:ext>
+              <a:ext uri="{C183D7F6-B498-43B3-948B-1728B52AA6E4}">
+                <adec:decorative xmlns:adec="http://schemas.microsoft.com/office/drawing/2017/decorative" val="1"/>
+              </a:ext>
+            </a:extLst>
+          </p:cNvPr>
+          <p:cNvSpPr>
+            <a:spLocks noGrp="1" noRot="1" noChangeAspect="1" noMove="1" noResize="1" noEditPoints="1" noAdjustHandles="1" noChangeArrowheads="1" noChangeShapeType="1" noTextEdit="1"/>
+          </p:cNvSpPr>
+          <p:nvPr>
+            <p:extLst>
+              <p:ext uri="{386F3935-93C4-4BCD-93E2-E3B085C9AB24}">
+                <p16:designElem xmlns:p16="http://schemas.microsoft.com/office/powerpoint/2015/main" val="1"/>
+              </p:ext>
+            </p:extLst>
+          </p:nvPr>
+        </p:nvSpPr>
+        <p:spPr>
+          <a:xfrm rot="10800000">
+            <a:off x="4660127" y="-3"/>
+            <a:ext cx="1056745" cy="6858001"/>
+          </a:xfrm>
+          <a:prstGeom prst="triangle">
+            <a:avLst>
+              <a:gd name="adj" fmla="val 100000"/>
+            </a:avLst>
+          </a:prstGeom>
+          <a:solidFill>
+            <a:schemeClr val="tx2"/>
+          </a:solidFill>
+          <a:ln>
+            <a:noFill/>
+          </a:ln>
+          <a:effectLst/>
+        </p:spPr>
+        <p:style>
+          <a:lnRef idx="1">
+            <a:schemeClr val="accent1"/>
+          </a:lnRef>
+          <a:fillRef idx="3">
+            <a:schemeClr val="accent1"/>
+          </a:fillRef>
+          <a:effectRef idx="2">
+            <a:schemeClr val="accent1"/>
+          </a:effectRef>
+          <a:fontRef idx="minor">
+            <a:schemeClr val="lt1"/>
+          </a:fontRef>
+        </p:style>
+        <p:txBody>
+          <a:bodyPr/>
+          <a:lstStyle/>
+          <a:p>
+            <a:endParaRPr lang="en-US" dirty="0"/>
+          </a:p>
+        </p:txBody>
+      </p:sp>
+      <p:sp>
+        <p:nvSpPr>
+          <p:cNvPr id="3" name="Content Placeholder 2">
+            <a:extLst>
+              <a:ext uri="{FF2B5EF4-FFF2-40B4-BE49-F238E27FC236}">
+                <a16:creationId xmlns:a16="http://schemas.microsoft.com/office/drawing/2014/main" id="{4F1C3376-05E8-4F12-A9F8-BE72FB788124}"/>
+              </a:ext>
+            </a:extLst>
+          </p:cNvPr>
+          <p:cNvSpPr>
+            <a:spLocks noGrp="1"/>
+          </p:cNvSpPr>
+          <p:nvPr>
+            <p:ph idx="1"/>
+          </p:nvPr>
+        </p:nvSpPr>
+        <p:spPr>
+          <a:xfrm>
+            <a:off x="673754" y="2160590"/>
+            <a:ext cx="3973943" cy="3440110"/>
+          </a:xfrm>
+        </p:spPr>
+        <p:txBody>
+          <a:bodyPr vert="horz" lIns="91440" tIns="45720" rIns="91440" bIns="45720" rtlCol="0">
+            <a:normAutofit/>
+          </a:bodyPr>
+          <a:lstStyle/>
+          <a:p>
+            <a:r>
+              <a:rPr lang="en-US">
+                <a:solidFill>
+                  <a:schemeClr val="bg1"/>
+                </a:solidFill>
+                <a:ea typeface="+mn-lt"/>
+                <a:cs typeface="+mn-lt"/>
+              </a:rPr>
+              <a:t>First, get all the areas that are grey in the new photo. </a:t>
+            </a:r>
+            <a:endParaRPr lang="en-150">
+              <a:solidFill>
+                <a:schemeClr val="bg1"/>
+              </a:solidFill>
+              <a:ea typeface="+mn-lt"/>
+              <a:cs typeface="+mn-lt"/>
+            </a:endParaRPr>
+          </a:p>
+          <a:p>
+            <a:r>
+              <a:rPr lang="en-US">
+                <a:solidFill>
+                  <a:schemeClr val="bg1"/>
+                </a:solidFill>
+                <a:ea typeface="+mn-lt"/>
+                <a:cs typeface="+mn-lt"/>
+              </a:rPr>
+              <a:t>This will be all the areas of bare mountain in the image, not including the sky, snow or glacier.</a:t>
+            </a:r>
+            <a:endParaRPr lang="en-150">
+              <a:solidFill>
+                <a:schemeClr val="bg1"/>
+              </a:solidFill>
+              <a:ea typeface="+mn-lt"/>
+              <a:cs typeface="+mn-lt"/>
+            </a:endParaRPr>
+          </a:p>
+        </p:txBody>
+      </p:sp>
+      <p:pic>
+        <p:nvPicPr>
+          <p:cNvPr id="6" name="Picture 6" descr="A close up of a mountain&#10;&#10;Description generated with high confidence">
+            <a:extLst>
+              <a:ext uri="{FF2B5EF4-FFF2-40B4-BE49-F238E27FC236}">
+                <a16:creationId xmlns:a16="http://schemas.microsoft.com/office/drawing/2014/main" id="{B780E74C-C82C-4A13-88EA-B7B6D9F9B3E9}"/>
+              </a:ext>
+            </a:extLst>
+          </p:cNvPr>
+          <p:cNvPicPr>
+            <a:picLocks noChangeAspect="1"/>
+          </p:cNvPicPr>
+          <p:nvPr/>
+        </p:nvPicPr>
+        <p:blipFill rotWithShape="1">
+          <a:blip r:embed="rId2"/>
+          <a:srcRect l="10463" t="16946" r="8370" b="14435"/>
+          <a:stretch/>
+        </p:blipFill>
+        <p:spPr>
+          <a:xfrm>
+            <a:off x="6096001" y="2281303"/>
+            <a:ext cx="5143500" cy="2282879"/>
+          </a:xfrm>
+          <a:prstGeom prst="rect">
+            <a:avLst/>
+          </a:prstGeom>
+        </p:spPr>
+      </p:pic>
+      <p:sp>
+        <p:nvSpPr>
+          <p:cNvPr id="17" name="Isosceles Triangle 16">
+            <a:extLst>
+              <a:ext uri="{FF2B5EF4-FFF2-40B4-BE49-F238E27FC236}">
+                <a16:creationId xmlns:a16="http://schemas.microsoft.com/office/drawing/2014/main" id="{B2205F6E-03C6-4E92-877C-E2482F6599AA}"/>
+              </a:ext>
+              <a:ext uri="{C183D7F6-B498-43B3-948B-1728B52AA6E4}">
+                <adec:decorative xmlns:adec="http://schemas.microsoft.com/office/drawing/2017/decorative" val="1"/>
+              </a:ext>
+            </a:extLst>
+          </p:cNvPr>
+          <p:cNvSpPr>
+            <a:spLocks noGrp="1" noRot="1" noChangeAspect="1" noMove="1" noResize="1" noEditPoints="1" noAdjustHandles="1" noChangeArrowheads="1" noChangeShapeType="1" noTextEdit="1"/>
+          </p:cNvSpPr>
+          <p:nvPr>
+            <p:extLst>
+              <p:ext uri="{386F3935-93C4-4BCD-93E2-E3B085C9AB24}">
+                <p16:designElem xmlns:p16="http://schemas.microsoft.com/office/powerpoint/2015/main" val="1"/>
+              </p:ext>
+            </p:extLst>
+          </p:nvPr>
+        </p:nvSpPr>
+        <p:spPr>
+          <a:xfrm flipH="1">
+            <a:off x="11755696" y="4013200"/>
+            <a:ext cx="448733" cy="2844800"/>
+          </a:xfrm>
+          <a:prstGeom prst="triangle">
+            <a:avLst>
+              <a:gd name="adj" fmla="val 0"/>
+            </a:avLst>
+          </a:prstGeom>
+          <a:solidFill>
+            <a:schemeClr val="accent1">
+              <a:alpha val="85000"/>
+            </a:schemeClr>
+          </a:solidFill>
+          <a:ln>
+            <a:noFill/>
+          </a:ln>
+          <a:effectLst/>
+        </p:spPr>
+        <p:style>
+          <a:lnRef idx="1">
+            <a:schemeClr val="accent1"/>
+          </a:lnRef>
+          <a:fillRef idx="3">
+            <a:schemeClr val="accent1"/>
+          </a:fillRef>
+          <a:effectRef idx="2">
+            <a:schemeClr val="accent1"/>
+          </a:effectRef>
+          <a:fontRef idx="minor">
+            <a:schemeClr val="lt1"/>
+          </a:fontRef>
+        </p:style>
+        <p:txBody>
+          <a:bodyPr/>
+          <a:lstStyle/>
+          <a:p>
+            <a:endParaRPr lang="en-US" dirty="0"/>
+          </a:p>
+        </p:txBody>
+      </p:sp>
+    </p:spTree>
+    <p:extLst>
+      <p:ext uri="{BB962C8B-B14F-4D97-AF65-F5344CB8AC3E}">
+        <p14:creationId xmlns:p14="http://schemas.microsoft.com/office/powerpoint/2010/main" val="4277572451"/>
+      </p:ext>
+    </p:extLst>
+  </p:cSld>
+  <p:clrMapOvr>
+    <a:masterClrMapping/>
+  </p:clrMapOvr>
+</p:sld>
+</file>
+
+<file path=ppt/slides/slide4.xml><?xml version="1.0" encoding="utf-8"?>
+<p:sld xmlns:a="http://schemas.openxmlformats.org/drawingml/2006/main" xmlns:r="http://schemas.openxmlformats.org/officeDocument/2006/relationships" xmlns:p="http://schemas.openxmlformats.org/presentationml/2006/main">
+  <p:cSld>
+    <p:bg>
+      <p:bgPr>
+        <a:solidFill>
+          <a:schemeClr val="bg1"/>
+        </a:solidFill>
+        <a:effectLst/>
+      </p:bgPr>
+    </p:bg>
+    <p:spTree>
+      <p:nvGrpSpPr>
+        <p:cNvPr id="1" name=""/>
+        <p:cNvGrpSpPr/>
+        <p:nvPr/>
+      </p:nvGrpSpPr>
+      <p:grpSpPr>
+        <a:xfrm>
+          <a:off x="0" y="0"/>
+          <a:ext cx="0" cy="0"/>
+          <a:chOff x="0" y="0"/>
+          <a:chExt cx="0" cy="0"/>
+        </a:xfrm>
+      </p:grpSpPr>
+      <p:sp useBgFill="1">
+        <p:nvSpPr>
+          <p:cNvPr id="11" name="Rectangle 10">
+            <a:extLst>
+              <a:ext uri="{FF2B5EF4-FFF2-40B4-BE49-F238E27FC236}">
+                <a16:creationId xmlns:a16="http://schemas.microsoft.com/office/drawing/2014/main" id="{9F4444CE-BC8D-4D61-B303-4C05614E62AB}"/>
+              </a:ext>
+              <a:ext uri="{C183D7F6-B498-43B3-948B-1728B52AA6E4}">
+                <adec:decorative xmlns:adec="http://schemas.microsoft.com/office/drawing/2017/decorative" val="1"/>
+              </a:ext>
+            </a:extLst>
+          </p:cNvPr>
+          <p:cNvSpPr>
+            <a:spLocks noGrp="1" noRot="1" noChangeAspect="1" noMove="1" noResize="1" noEditPoints="1" noAdjustHandles="1" noChangeArrowheads="1" noChangeShapeType="1" noTextEdit="1"/>
+          </p:cNvSpPr>
+          <p:nvPr>
+            <p:extLst>
+              <p:ext uri="{386F3935-93C4-4BCD-93E2-E3B085C9AB24}">
+                <p16:designElem xmlns:p16="http://schemas.microsoft.com/office/powerpoint/2015/main" val="1"/>
+              </p:ext>
+            </p:extLst>
+          </p:nvPr>
+        </p:nvSpPr>
+        <p:spPr>
+          <a:xfrm>
+            <a:off x="0" y="0"/>
+            <a:ext cx="12192000" cy="6858000"/>
+          </a:xfrm>
+          <a:prstGeom prst="rect">
+            <a:avLst/>
+          </a:prstGeom>
+          <a:ln>
+            <a:noFill/>
+          </a:ln>
+        </p:spPr>
+        <p:style>
+          <a:lnRef idx="2">
+            <a:schemeClr val="accent1">
+              <a:shade val="50000"/>
+            </a:schemeClr>
+          </a:lnRef>
+          <a:fillRef idx="1">
+            <a:schemeClr val="accent1"/>
+          </a:fillRef>
+          <a:effectRef idx="0">
+            <a:schemeClr val="accent1"/>
+          </a:effectRef>
+          <a:fontRef idx="minor">
+            <a:schemeClr val="lt1"/>
+          </a:fontRef>
+        </p:style>
+        <p:txBody>
+          <a:bodyPr rtlCol="0" anchor="ctr"/>
+          <a:lstStyle/>
+          <a:p>
+            <a:pPr algn="ctr"/>
+            <a:endParaRPr lang="en-US"/>
+          </a:p>
+        </p:txBody>
+      </p:sp>
+      <p:sp>
+        <p:nvSpPr>
+          <p:cNvPr id="13" name="Rectangle 12">
+            <a:extLst>
+              <a:ext uri="{FF2B5EF4-FFF2-40B4-BE49-F238E27FC236}">
+                <a16:creationId xmlns:a16="http://schemas.microsoft.com/office/drawing/2014/main" id="{62423CA5-E2E1-4789-B759-9906C1C94063}"/>
+              </a:ext>
+              <a:ext uri="{C183D7F6-B498-43B3-948B-1728B52AA6E4}">
+                <adec:decorative xmlns:adec="http://schemas.microsoft.com/office/drawing/2017/decorative" val="1"/>
+              </a:ext>
+            </a:extLst>
+          </p:cNvPr>
+          <p:cNvSpPr>
+            <a:spLocks noGrp="1" noRot="1" noChangeAspect="1" noMove="1" noResize="1" noEditPoints="1" noAdjustHandles="1" noChangeArrowheads="1" noChangeShapeType="1" noTextEdit="1"/>
+          </p:cNvSpPr>
+          <p:nvPr>
+            <p:extLst>
+              <p:ext uri="{386F3935-93C4-4BCD-93E2-E3B085C9AB24}">
+                <p16:designElem xmlns:p16="http://schemas.microsoft.com/office/powerpoint/2015/main" val="1"/>
+              </p:ext>
+            </p:extLst>
+          </p:nvPr>
+        </p:nvSpPr>
+        <p:spPr>
+          <a:xfrm>
+            <a:off x="0" y="-3"/>
+            <a:ext cx="4660126" cy="6858000"/>
+          </a:xfrm>
+          <a:prstGeom prst="rect">
+            <a:avLst/>
+          </a:prstGeom>
+          <a:solidFill>
+            <a:schemeClr val="tx2"/>
+          </a:solidFill>
+          <a:ln>
+            <a:noFill/>
+          </a:ln>
+          <a:effectLst/>
+        </p:spPr>
+        <p:style>
+          <a:lnRef idx="1">
+            <a:schemeClr val="accent1"/>
+          </a:lnRef>
+          <a:fillRef idx="3">
+            <a:schemeClr val="accent1"/>
+          </a:fillRef>
+          <a:effectRef idx="2">
+            <a:schemeClr val="accent1"/>
+          </a:effectRef>
+          <a:fontRef idx="minor">
+            <a:schemeClr val="lt1"/>
+          </a:fontRef>
+        </p:style>
+        <p:txBody>
+          <a:bodyPr/>
+          <a:lstStyle/>
+          <a:p>
+            <a:endParaRPr lang="en-US"/>
+          </a:p>
+        </p:txBody>
+      </p:sp>
+      <p:sp>
+        <p:nvSpPr>
+          <p:cNvPr id="15" name="Isosceles Triangle 14">
+            <a:extLst>
+              <a:ext uri="{FF2B5EF4-FFF2-40B4-BE49-F238E27FC236}">
+                <a16:creationId xmlns:a16="http://schemas.microsoft.com/office/drawing/2014/main" id="{73772B81-181F-48B7-8826-4D9686D15DF5}"/>
+              </a:ext>
+              <a:ext uri="{C183D7F6-B498-43B3-948B-1728B52AA6E4}">
+                <adec:decorative xmlns:adec="http://schemas.microsoft.com/office/drawing/2017/decorative" val="1"/>
+              </a:ext>
+            </a:extLst>
+          </p:cNvPr>
+          <p:cNvSpPr>
+            <a:spLocks noGrp="1" noRot="1" noChangeAspect="1" noMove="1" noResize="1" noEditPoints="1" noAdjustHandles="1" noChangeArrowheads="1" noChangeShapeType="1" noTextEdit="1"/>
+          </p:cNvSpPr>
+          <p:nvPr>
+            <p:extLst>
+              <p:ext uri="{386F3935-93C4-4BCD-93E2-E3B085C9AB24}">
+                <p16:designElem xmlns:p16="http://schemas.microsoft.com/office/powerpoint/2015/main" val="1"/>
+              </p:ext>
+            </p:extLst>
+          </p:nvPr>
+        </p:nvSpPr>
+        <p:spPr>
+          <a:xfrm rot="10800000">
+            <a:off x="4660127" y="-3"/>
+            <a:ext cx="1056745" cy="6858001"/>
+          </a:xfrm>
+          <a:prstGeom prst="triangle">
+            <a:avLst>
+              <a:gd name="adj" fmla="val 100000"/>
+            </a:avLst>
+          </a:prstGeom>
+          <a:solidFill>
+            <a:schemeClr val="tx2"/>
+          </a:solidFill>
+          <a:ln>
+            <a:noFill/>
+          </a:ln>
+          <a:effectLst/>
+        </p:spPr>
+        <p:style>
+          <a:lnRef idx="1">
+            <a:schemeClr val="accent1"/>
+          </a:lnRef>
+          <a:fillRef idx="3">
+            <a:schemeClr val="accent1"/>
+          </a:fillRef>
+          <a:effectRef idx="2">
+            <a:schemeClr val="accent1"/>
+          </a:effectRef>
+          <a:fontRef idx="minor">
+            <a:schemeClr val="lt1"/>
+          </a:fontRef>
+        </p:style>
+        <p:txBody>
+          <a:bodyPr/>
+          <a:lstStyle/>
+          <a:p>
+            <a:endParaRPr lang="en-US" dirty="0"/>
+          </a:p>
+        </p:txBody>
+      </p:sp>
+      <p:sp>
+        <p:nvSpPr>
+          <p:cNvPr id="3" name="Content Placeholder 2">
+            <a:extLst>
+              <a:ext uri="{FF2B5EF4-FFF2-40B4-BE49-F238E27FC236}">
+                <a16:creationId xmlns:a16="http://schemas.microsoft.com/office/drawing/2014/main" id="{4F1C3376-05E8-4F12-A9F8-BE72FB788124}"/>
+              </a:ext>
+            </a:extLst>
+          </p:cNvPr>
+          <p:cNvSpPr>
+            <a:spLocks noGrp="1"/>
+          </p:cNvSpPr>
+          <p:nvPr>
+            <p:ph idx="1"/>
+          </p:nvPr>
+        </p:nvSpPr>
+        <p:spPr>
+          <a:xfrm>
+            <a:off x="673754" y="2160590"/>
+            <a:ext cx="3973943" cy="3440110"/>
+          </a:xfrm>
+        </p:spPr>
+        <p:txBody>
+          <a:bodyPr vert="horz" lIns="91440" tIns="45720" rIns="91440" bIns="45720" rtlCol="0" anchor="t">
+            <a:normAutofit/>
+          </a:bodyPr>
+          <a:lstStyle/>
+          <a:p>
+            <a:r>
+              <a:rPr lang="en-US" dirty="0">
+                <a:solidFill>
+                  <a:schemeClr val="bg1"/>
+                </a:solidFill>
+                <a:ea typeface="+mn-lt"/>
+                <a:cs typeface="+mn-lt"/>
+              </a:rPr>
+              <a:t>Now we need to use the mask we just created and extract the same region of interest but on the old image. </a:t>
+            </a:r>
+            <a:endParaRPr lang="en-US" dirty="0">
+              <a:solidFill>
+                <a:schemeClr val="bg1"/>
+              </a:solidFill>
+            </a:endParaRPr>
+          </a:p>
+          <a:p>
+            <a:r>
+              <a:rPr lang="en-US" dirty="0">
+                <a:solidFill>
+                  <a:schemeClr val="bg1"/>
+                </a:solidFill>
+                <a:ea typeface="+mn-lt"/>
+                <a:cs typeface="+mn-lt"/>
+              </a:rPr>
+              <a:t>This will give us the area of the old image where now, there is mountain.</a:t>
+            </a:r>
+            <a:endParaRPr lang="en-US" dirty="0">
+              <a:solidFill>
+                <a:schemeClr val="bg1"/>
+              </a:solidFill>
+            </a:endParaRPr>
+          </a:p>
+        </p:txBody>
+      </p:sp>
+      <p:pic>
+        <p:nvPicPr>
+          <p:cNvPr id="6" name="Picture 6" descr="A close up of a mountain&#10;&#10;Description generated with high confidence">
+            <a:extLst>
+              <a:ext uri="{FF2B5EF4-FFF2-40B4-BE49-F238E27FC236}">
+                <a16:creationId xmlns:a16="http://schemas.microsoft.com/office/drawing/2014/main" id="{B780E74C-C82C-4A13-88EA-B7B6D9F9B3E9}"/>
+              </a:ext>
+            </a:extLst>
+          </p:cNvPr>
+          <p:cNvPicPr>
+            <a:picLocks noChangeAspect="1"/>
+          </p:cNvPicPr>
+          <p:nvPr/>
+        </p:nvPicPr>
+        <p:blipFill rotWithShape="1">
+          <a:blip r:embed="rId2"/>
+          <a:srcRect l="10463" t="16946" r="8370" b="14435"/>
+          <a:stretch/>
+        </p:blipFill>
+        <p:spPr>
+          <a:xfrm>
+            <a:off x="6096001" y="2221513"/>
+            <a:ext cx="5143500" cy="2402458"/>
+          </a:xfrm>
+          <a:prstGeom prst="rect">
+            <a:avLst/>
+          </a:prstGeom>
+        </p:spPr>
+      </p:pic>
+      <p:sp>
+        <p:nvSpPr>
+          <p:cNvPr id="17" name="Isosceles Triangle 16">
+            <a:extLst>
+              <a:ext uri="{FF2B5EF4-FFF2-40B4-BE49-F238E27FC236}">
+                <a16:creationId xmlns:a16="http://schemas.microsoft.com/office/drawing/2014/main" id="{B2205F6E-03C6-4E92-877C-E2482F6599AA}"/>
+              </a:ext>
+              <a:ext uri="{C183D7F6-B498-43B3-948B-1728B52AA6E4}">
+                <adec:decorative xmlns:adec="http://schemas.microsoft.com/office/drawing/2017/decorative" val="1"/>
+              </a:ext>
+            </a:extLst>
+          </p:cNvPr>
+          <p:cNvSpPr>
+            <a:spLocks noGrp="1" noRot="1" noChangeAspect="1" noMove="1" noResize="1" noEditPoints="1" noAdjustHandles="1" noChangeArrowheads="1" noChangeShapeType="1" noTextEdit="1"/>
+          </p:cNvSpPr>
+          <p:nvPr>
+            <p:extLst>
+              <p:ext uri="{386F3935-93C4-4BCD-93E2-E3B085C9AB24}">
+                <p16:designElem xmlns:p16="http://schemas.microsoft.com/office/powerpoint/2015/main" val="1"/>
+              </p:ext>
+            </p:extLst>
+          </p:nvPr>
+        </p:nvSpPr>
+        <p:spPr>
+          <a:xfrm flipH="1">
+            <a:off x="11755696" y="4013200"/>
+            <a:ext cx="448733" cy="2844800"/>
+          </a:xfrm>
+          <a:prstGeom prst="triangle">
+            <a:avLst>
+              <a:gd name="adj" fmla="val 0"/>
+            </a:avLst>
+          </a:prstGeom>
+          <a:solidFill>
+            <a:schemeClr val="accent1">
+              <a:alpha val="85000"/>
+            </a:schemeClr>
+          </a:solidFill>
+          <a:ln>
+            <a:noFill/>
+          </a:ln>
+          <a:effectLst/>
+        </p:spPr>
+        <p:style>
+          <a:lnRef idx="1">
+            <a:schemeClr val="accent1"/>
+          </a:lnRef>
+          <a:fillRef idx="3">
+            <a:schemeClr val="accent1"/>
+          </a:fillRef>
+          <a:effectRef idx="2">
+            <a:schemeClr val="accent1"/>
+          </a:effectRef>
+          <a:fontRef idx="minor">
+            <a:schemeClr val="lt1"/>
+          </a:fontRef>
+        </p:style>
+        <p:txBody>
+          <a:bodyPr/>
+          <a:lstStyle/>
+          <a:p>
+            <a:endParaRPr lang="en-US" dirty="0"/>
+          </a:p>
+        </p:txBody>
+      </p:sp>
+    </p:spTree>
+    <p:extLst>
+      <p:ext uri="{BB962C8B-B14F-4D97-AF65-F5344CB8AC3E}">
+        <p14:creationId xmlns:p14="http://schemas.microsoft.com/office/powerpoint/2010/main" val="1278829274"/>
+      </p:ext>
+    </p:extLst>
+  </p:cSld>
+  <p:clrMapOvr>
+    <a:masterClrMapping/>
+  </p:clrMapOvr>
+</p:sld>
+</file>
+
+<file path=ppt/slides/slide5.xml><?xml version="1.0" encoding="utf-8"?>
+<p:sld xmlns:a="http://schemas.openxmlformats.org/drawingml/2006/main" xmlns:r="http://schemas.openxmlformats.org/officeDocument/2006/relationships" xmlns:p="http://schemas.openxmlformats.org/presentationml/2006/main">
+  <p:cSld>
+    <p:bg>
+      <p:bgPr>
+        <a:solidFill>
+          <a:schemeClr val="bg1"/>
+        </a:solidFill>
+        <a:effectLst/>
+      </p:bgPr>
+    </p:bg>
+    <p:spTree>
+      <p:nvGrpSpPr>
+        <p:cNvPr id="1" name=""/>
+        <p:cNvGrpSpPr/>
+        <p:nvPr/>
+      </p:nvGrpSpPr>
+      <p:grpSpPr>
+        <a:xfrm>
+          <a:off x="0" y="0"/>
+          <a:ext cx="0" cy="0"/>
+          <a:chOff x="0" y="0"/>
+          <a:chExt cx="0" cy="0"/>
+        </a:xfrm>
+      </p:grpSpPr>
+      <p:sp useBgFill="1">
+        <p:nvSpPr>
+          <p:cNvPr id="22" name="Rectangle 21">
+            <a:extLst>
+              <a:ext uri="{FF2B5EF4-FFF2-40B4-BE49-F238E27FC236}">
+                <a16:creationId xmlns:a16="http://schemas.microsoft.com/office/drawing/2014/main" id="{9F4444CE-BC8D-4D61-B303-4C05614E62AB}"/>
+              </a:ext>
+              <a:ext uri="{C183D7F6-B498-43B3-948B-1728B52AA6E4}">
+                <adec:decorative xmlns:adec="http://schemas.microsoft.com/office/drawing/2017/decorative" val="1"/>
+              </a:ext>
+            </a:extLst>
+          </p:cNvPr>
+          <p:cNvSpPr>
+            <a:spLocks noGrp="1" noRot="1" noChangeAspect="1" noMove="1" noResize="1" noEditPoints="1" noAdjustHandles="1" noChangeArrowheads="1" noChangeShapeType="1" noTextEdit="1"/>
+          </p:cNvSpPr>
+          <p:nvPr>
+            <p:extLst>
+              <p:ext uri="{386F3935-93C4-4BCD-93E2-E3B085C9AB24}">
+                <p16:designElem xmlns:p16="http://schemas.microsoft.com/office/powerpoint/2015/main" val="1"/>
+              </p:ext>
+            </p:extLst>
+          </p:nvPr>
+        </p:nvSpPr>
+        <p:spPr>
+          <a:xfrm>
+            <a:off x="0" y="0"/>
+            <a:ext cx="12192000" cy="6858000"/>
+          </a:xfrm>
+          <a:prstGeom prst="rect">
+            <a:avLst/>
+          </a:prstGeom>
+          <a:ln>
+            <a:noFill/>
+          </a:ln>
+        </p:spPr>
+        <p:style>
+          <a:lnRef idx="2">
+            <a:schemeClr val="accent1">
+              <a:shade val="50000"/>
+            </a:schemeClr>
+          </a:lnRef>
+          <a:fillRef idx="1">
+            <a:schemeClr val="accent1"/>
+          </a:fillRef>
+          <a:effectRef idx="0">
+            <a:schemeClr val="accent1"/>
+          </a:effectRef>
+          <a:fontRef idx="minor">
+            <a:schemeClr val="lt1"/>
+          </a:fontRef>
+        </p:style>
+        <p:txBody>
+          <a:bodyPr rtlCol="0" anchor="ctr"/>
+          <a:lstStyle/>
+          <a:p>
+            <a:pPr algn="ctr"/>
+            <a:endParaRPr lang="en-US"/>
+          </a:p>
+        </p:txBody>
+      </p:sp>
+      <p:sp>
+        <p:nvSpPr>
+          <p:cNvPr id="24" name="Rectangle 23">
+            <a:extLst>
+              <a:ext uri="{FF2B5EF4-FFF2-40B4-BE49-F238E27FC236}">
+                <a16:creationId xmlns:a16="http://schemas.microsoft.com/office/drawing/2014/main" id="{62423CA5-E2E1-4789-B759-9906C1C94063}"/>
+              </a:ext>
+              <a:ext uri="{C183D7F6-B498-43B3-948B-1728B52AA6E4}">
+                <adec:decorative xmlns:adec="http://schemas.microsoft.com/office/drawing/2017/decorative" val="1"/>
+              </a:ext>
+            </a:extLst>
+          </p:cNvPr>
+          <p:cNvSpPr>
+            <a:spLocks noGrp="1" noRot="1" noChangeAspect="1" noMove="1" noResize="1" noEditPoints="1" noAdjustHandles="1" noChangeArrowheads="1" noChangeShapeType="1" noTextEdit="1"/>
+          </p:cNvSpPr>
+          <p:nvPr>
+            <p:extLst>
+              <p:ext uri="{386F3935-93C4-4BCD-93E2-E3B085C9AB24}">
+                <p16:designElem xmlns:p16="http://schemas.microsoft.com/office/powerpoint/2015/main" val="1"/>
+              </p:ext>
+            </p:extLst>
+          </p:nvPr>
+        </p:nvSpPr>
+        <p:spPr>
+          <a:xfrm>
+            <a:off x="0" y="-3"/>
+            <a:ext cx="4660126" cy="6858000"/>
+          </a:xfrm>
+          <a:prstGeom prst="rect">
+            <a:avLst/>
+          </a:prstGeom>
+          <a:solidFill>
+            <a:schemeClr val="tx2"/>
+          </a:solidFill>
+          <a:ln>
+            <a:noFill/>
+          </a:ln>
+          <a:effectLst/>
+        </p:spPr>
+        <p:style>
+          <a:lnRef idx="1">
+            <a:schemeClr val="accent1"/>
+          </a:lnRef>
+          <a:fillRef idx="3">
+            <a:schemeClr val="accent1"/>
+          </a:fillRef>
+          <a:effectRef idx="2">
+            <a:schemeClr val="accent1"/>
+          </a:effectRef>
+          <a:fontRef idx="minor">
+            <a:schemeClr val="lt1"/>
+          </a:fontRef>
+        </p:style>
+        <p:txBody>
+          <a:bodyPr/>
+          <a:lstStyle/>
+          <a:p>
+            <a:endParaRPr lang="en-US"/>
+          </a:p>
+        </p:txBody>
+      </p:sp>
+      <p:sp>
+        <p:nvSpPr>
+          <p:cNvPr id="26" name="Isosceles Triangle 25">
+            <a:extLst>
+              <a:ext uri="{FF2B5EF4-FFF2-40B4-BE49-F238E27FC236}">
+                <a16:creationId xmlns:a16="http://schemas.microsoft.com/office/drawing/2014/main" id="{73772B81-181F-48B7-8826-4D9686D15DF5}"/>
+              </a:ext>
+              <a:ext uri="{C183D7F6-B498-43B3-948B-1728B52AA6E4}">
+                <adec:decorative xmlns:adec="http://schemas.microsoft.com/office/drawing/2017/decorative" val="1"/>
+              </a:ext>
+            </a:extLst>
+          </p:cNvPr>
+          <p:cNvSpPr>
+            <a:spLocks noGrp="1" noRot="1" noChangeAspect="1" noMove="1" noResize="1" noEditPoints="1" noAdjustHandles="1" noChangeArrowheads="1" noChangeShapeType="1" noTextEdit="1"/>
+          </p:cNvSpPr>
+          <p:nvPr>
+            <p:extLst>
+              <p:ext uri="{386F3935-93C4-4BCD-93E2-E3B085C9AB24}">
+                <p16:designElem xmlns:p16="http://schemas.microsoft.com/office/powerpoint/2015/main" val="1"/>
+              </p:ext>
+            </p:extLst>
+          </p:nvPr>
+        </p:nvSpPr>
+        <p:spPr>
+          <a:xfrm rot="10800000">
+            <a:off x="4660127" y="-3"/>
+            <a:ext cx="1056745" cy="6858001"/>
+          </a:xfrm>
+          <a:prstGeom prst="triangle">
+            <a:avLst>
+              <a:gd name="adj" fmla="val 100000"/>
+            </a:avLst>
+          </a:prstGeom>
+          <a:solidFill>
+            <a:schemeClr val="tx2"/>
+          </a:solidFill>
+          <a:ln>
+            <a:noFill/>
+          </a:ln>
+          <a:effectLst/>
+        </p:spPr>
+        <p:style>
+          <a:lnRef idx="1">
+            <a:schemeClr val="accent1"/>
+          </a:lnRef>
+          <a:fillRef idx="3">
+            <a:schemeClr val="accent1"/>
+          </a:fillRef>
+          <a:effectRef idx="2">
+            <a:schemeClr val="accent1"/>
+          </a:effectRef>
+          <a:fontRef idx="minor">
+            <a:schemeClr val="lt1"/>
+          </a:fontRef>
+        </p:style>
+        <p:txBody>
+          <a:bodyPr/>
+          <a:lstStyle/>
+          <a:p>
+            <a:endParaRPr lang="en-US" dirty="0"/>
+          </a:p>
+        </p:txBody>
+      </p:sp>
+      <p:sp>
+        <p:nvSpPr>
+          <p:cNvPr id="3" name="Content Placeholder 2">
+            <a:extLst>
+              <a:ext uri="{FF2B5EF4-FFF2-40B4-BE49-F238E27FC236}">
+                <a16:creationId xmlns:a16="http://schemas.microsoft.com/office/drawing/2014/main" id="{4F1C3376-05E8-4F12-A9F8-BE72FB788124}"/>
+              </a:ext>
+            </a:extLst>
+          </p:cNvPr>
+          <p:cNvSpPr>
+            <a:spLocks noGrp="1"/>
+          </p:cNvSpPr>
+          <p:nvPr>
+            <p:ph idx="1"/>
+          </p:nvPr>
+        </p:nvSpPr>
+        <p:spPr>
+          <a:xfrm>
+            <a:off x="673754" y="2160590"/>
+            <a:ext cx="3973943" cy="3440110"/>
+          </a:xfrm>
+        </p:spPr>
+        <p:txBody>
+          <a:bodyPr vert="horz" lIns="91440" tIns="45720" rIns="91440" bIns="45720" rtlCol="0" anchor="t">
+            <a:normAutofit/>
+          </a:bodyPr>
+          <a:lstStyle/>
+          <a:p>
+            <a:r>
+              <a:rPr lang="en-US" dirty="0">
+                <a:solidFill>
+                  <a:schemeClr val="bg1"/>
+                </a:solidFill>
+                <a:ea typeface="+mn-lt"/>
+                <a:cs typeface="+mn-lt"/>
+              </a:rPr>
+              <a:t>Now we need to separate the white elements of this image.</a:t>
+            </a:r>
+            <a:endParaRPr lang="en-150" dirty="0">
+              <a:solidFill>
+                <a:schemeClr val="bg1"/>
+              </a:solidFill>
+              <a:ea typeface="+mn-lt"/>
+              <a:cs typeface="+mn-lt"/>
+            </a:endParaRPr>
+          </a:p>
+          <a:p>
+            <a:r>
+              <a:rPr lang="en-US" dirty="0">
+                <a:solidFill>
+                  <a:schemeClr val="bg1"/>
+                </a:solidFill>
+                <a:ea typeface="+mn-lt"/>
+                <a:cs typeface="+mn-lt"/>
+              </a:rPr>
+              <a:t>This will give us the areas of white from the old image where now, there is nothing.</a:t>
+            </a:r>
+            <a:endParaRPr lang="en-150">
+              <a:solidFill>
+                <a:schemeClr val="bg1"/>
+              </a:solidFill>
+              <a:ea typeface="+mn-lt"/>
+              <a:cs typeface="+mn-lt"/>
+            </a:endParaRPr>
+          </a:p>
+          <a:p>
+            <a:r>
+              <a:rPr lang="en-US" dirty="0">
+                <a:solidFill>
+                  <a:schemeClr val="bg1"/>
+                </a:solidFill>
+                <a:ea typeface="+mn-lt"/>
+                <a:cs typeface="+mn-lt"/>
+              </a:rPr>
+              <a:t>We do this by specifying the range of white </a:t>
+            </a:r>
+            <a:r>
+              <a:rPr lang="en-IE" dirty="0">
+                <a:solidFill>
+                  <a:schemeClr val="bg1"/>
+                </a:solidFill>
+                <a:ea typeface="+mn-lt"/>
+                <a:cs typeface="+mn-lt"/>
+              </a:rPr>
+              <a:t>colours</a:t>
+            </a:r>
+            <a:r>
+              <a:rPr lang="en-US" dirty="0">
+                <a:solidFill>
+                  <a:schemeClr val="bg1"/>
+                </a:solidFill>
+                <a:ea typeface="+mn-lt"/>
+                <a:cs typeface="+mn-lt"/>
+              </a:rPr>
+              <a:t> we wish to separate by and create a mask that we then use on the image above</a:t>
+            </a:r>
+            <a:r>
+              <a:rPr lang="en-US" dirty="0">
+                <a:ea typeface="+mn-lt"/>
+                <a:cs typeface="+mn-lt"/>
+              </a:rPr>
+              <a:t>.</a:t>
+            </a:r>
+            <a:endParaRPr lang="en-150">
+              <a:ea typeface="+mn-lt"/>
+              <a:cs typeface="+mn-lt"/>
+            </a:endParaRPr>
+          </a:p>
+        </p:txBody>
+      </p:sp>
+      <p:pic>
+        <p:nvPicPr>
+          <p:cNvPr id="2" name="Picture 3" descr="A screenshot of a cell phone&#10;&#10;Description generated with high confidence">
+            <a:extLst>
+              <a:ext uri="{FF2B5EF4-FFF2-40B4-BE49-F238E27FC236}">
+                <a16:creationId xmlns:a16="http://schemas.microsoft.com/office/drawing/2014/main" id="{24E7A34F-B593-4BB7-9775-D120F1AA4112}"/>
+              </a:ext>
+            </a:extLst>
+          </p:cNvPr>
+          <p:cNvPicPr>
+            <a:picLocks noChangeAspect="1"/>
+          </p:cNvPicPr>
+          <p:nvPr/>
+        </p:nvPicPr>
+        <p:blipFill rotWithShape="1">
+          <a:blip r:embed="rId2"/>
+          <a:srcRect t="24681" r="-69" b="18323"/>
+          <a:stretch/>
+        </p:blipFill>
+        <p:spPr>
+          <a:xfrm>
+            <a:off x="5462532" y="2160590"/>
+            <a:ext cx="6295461" cy="2685290"/>
+          </a:xfrm>
+          <a:prstGeom prst="rect">
+            <a:avLst/>
+          </a:prstGeom>
+        </p:spPr>
+      </p:pic>
+      <p:sp>
+        <p:nvSpPr>
+          <p:cNvPr id="28" name="Isosceles Triangle 27">
+            <a:extLst>
+              <a:ext uri="{FF2B5EF4-FFF2-40B4-BE49-F238E27FC236}">
+                <a16:creationId xmlns:a16="http://schemas.microsoft.com/office/drawing/2014/main" id="{B2205F6E-03C6-4E92-877C-E2482F6599AA}"/>
+              </a:ext>
+              <a:ext uri="{C183D7F6-B498-43B3-948B-1728B52AA6E4}">
+                <adec:decorative xmlns:adec="http://schemas.microsoft.com/office/drawing/2017/decorative" val="1"/>
+              </a:ext>
+            </a:extLst>
+          </p:cNvPr>
+          <p:cNvSpPr>
+            <a:spLocks noGrp="1" noRot="1" noChangeAspect="1" noMove="1" noResize="1" noEditPoints="1" noAdjustHandles="1" noChangeArrowheads="1" noChangeShapeType="1" noTextEdit="1"/>
+          </p:cNvSpPr>
+          <p:nvPr>
+            <p:extLst>
+              <p:ext uri="{386F3935-93C4-4BCD-93E2-E3B085C9AB24}">
+                <p16:designElem xmlns:p16="http://schemas.microsoft.com/office/powerpoint/2015/main" val="1"/>
+              </p:ext>
+            </p:extLst>
+          </p:nvPr>
+        </p:nvSpPr>
+        <p:spPr>
+          <a:xfrm flipH="1">
+            <a:off x="11755696" y="4013200"/>
+            <a:ext cx="448733" cy="2844800"/>
+          </a:xfrm>
+          <a:prstGeom prst="triangle">
+            <a:avLst>
+              <a:gd name="adj" fmla="val 0"/>
+            </a:avLst>
+          </a:prstGeom>
+          <a:solidFill>
+            <a:schemeClr val="accent1">
+              <a:alpha val="85000"/>
+            </a:schemeClr>
+          </a:solidFill>
+          <a:ln>
+            <a:noFill/>
+          </a:ln>
+          <a:effectLst/>
+        </p:spPr>
+        <p:style>
+          <a:lnRef idx="1">
+            <a:schemeClr val="accent1"/>
+          </a:lnRef>
+          <a:fillRef idx="3">
+            <a:schemeClr val="accent1"/>
+          </a:fillRef>
+          <a:effectRef idx="2">
+            <a:schemeClr val="accent1"/>
+          </a:effectRef>
+          <a:fontRef idx="minor">
+            <a:schemeClr val="lt1"/>
+          </a:fontRef>
+        </p:style>
+        <p:txBody>
+          <a:bodyPr/>
+          <a:lstStyle/>
+          <a:p>
+            <a:endParaRPr lang="en-US" dirty="0"/>
+          </a:p>
+        </p:txBody>
+      </p:sp>
+    </p:spTree>
+    <p:extLst>
+      <p:ext uri="{BB962C8B-B14F-4D97-AF65-F5344CB8AC3E}">
+        <p14:creationId xmlns:p14="http://schemas.microsoft.com/office/powerpoint/2010/main" val="4042920300"/>
+      </p:ext>
+    </p:extLst>
+  </p:cSld>
+  <p:clrMapOvr>
+    <a:masterClrMapping/>
+  </p:clrMapOvr>
+</p:sld>
+</file>
+
+<file path=ppt/slides/slide6.xml><?xml version="1.0" encoding="utf-8"?>
+<p:sld xmlns:a="http://schemas.openxmlformats.org/drawingml/2006/main" xmlns:r="http://schemas.openxmlformats.org/officeDocument/2006/relationships" xmlns:p="http://schemas.openxmlformats.org/presentationml/2006/main">
+  <p:cSld>
+    <p:bg>
+      <p:bgPr>
+        <a:solidFill>
+          <a:schemeClr val="bg1"/>
+        </a:solidFill>
+        <a:effectLst/>
+      </p:bgPr>
+    </p:bg>
+    <p:spTree>
+      <p:nvGrpSpPr>
+        <p:cNvPr id="1" name=""/>
+        <p:cNvGrpSpPr/>
+        <p:nvPr/>
+      </p:nvGrpSpPr>
+      <p:grpSpPr>
+        <a:xfrm>
+          <a:off x="0" y="0"/>
+          <a:ext cx="0" cy="0"/>
+          <a:chOff x="0" y="0"/>
+          <a:chExt cx="0" cy="0"/>
+        </a:xfrm>
+      </p:grpSpPr>
+      <p:sp useBgFill="1">
+        <p:nvSpPr>
+          <p:cNvPr id="22" name="Rectangle 21">
+            <a:extLst>
+              <a:ext uri="{FF2B5EF4-FFF2-40B4-BE49-F238E27FC236}">
+                <a16:creationId xmlns:a16="http://schemas.microsoft.com/office/drawing/2014/main" id="{9F4444CE-BC8D-4D61-B303-4C05614E62AB}"/>
+              </a:ext>
+              <a:ext uri="{C183D7F6-B498-43B3-948B-1728B52AA6E4}">
+                <adec:decorative xmlns:adec="http://schemas.microsoft.com/office/drawing/2017/decorative" val="1"/>
+              </a:ext>
+            </a:extLst>
+          </p:cNvPr>
+          <p:cNvSpPr>
+            <a:spLocks noGrp="1" noRot="1" noChangeAspect="1" noMove="1" noResize="1" noEditPoints="1" noAdjustHandles="1" noChangeArrowheads="1" noChangeShapeType="1" noTextEdit="1"/>
+          </p:cNvSpPr>
+          <p:nvPr>
+            <p:extLst>
+              <p:ext uri="{386F3935-93C4-4BCD-93E2-E3B085C9AB24}">
+                <p16:designElem xmlns:p16="http://schemas.microsoft.com/office/powerpoint/2015/main" val="1"/>
+              </p:ext>
+            </p:extLst>
+          </p:nvPr>
+        </p:nvSpPr>
+        <p:spPr>
+          <a:xfrm>
+            <a:off x="0" y="0"/>
+            <a:ext cx="12192000" cy="6858000"/>
+          </a:xfrm>
+          <a:prstGeom prst="rect">
+            <a:avLst/>
+          </a:prstGeom>
+          <a:ln>
+            <a:noFill/>
+          </a:ln>
+        </p:spPr>
+        <p:style>
+          <a:lnRef idx="2">
+            <a:schemeClr val="accent1">
+              <a:shade val="50000"/>
+            </a:schemeClr>
+          </a:lnRef>
+          <a:fillRef idx="1">
+            <a:schemeClr val="accent1"/>
+          </a:fillRef>
+          <a:effectRef idx="0">
+            <a:schemeClr val="accent1"/>
+          </a:effectRef>
+          <a:fontRef idx="minor">
+            <a:schemeClr val="lt1"/>
+          </a:fontRef>
+        </p:style>
+        <p:txBody>
+          <a:bodyPr rtlCol="0" anchor="ctr"/>
+          <a:lstStyle/>
+          <a:p>
+            <a:pPr algn="ctr"/>
+            <a:endParaRPr lang="en-US"/>
+          </a:p>
+        </p:txBody>
+      </p:sp>
+      <p:sp>
+        <p:nvSpPr>
+          <p:cNvPr id="24" name="Rectangle 23">
+            <a:extLst>
+              <a:ext uri="{FF2B5EF4-FFF2-40B4-BE49-F238E27FC236}">
+                <a16:creationId xmlns:a16="http://schemas.microsoft.com/office/drawing/2014/main" id="{62423CA5-E2E1-4789-B759-9906C1C94063}"/>
+              </a:ext>
+              <a:ext uri="{C183D7F6-B498-43B3-948B-1728B52AA6E4}">
+                <adec:decorative xmlns:adec="http://schemas.microsoft.com/office/drawing/2017/decorative" val="1"/>
+              </a:ext>
+            </a:extLst>
+          </p:cNvPr>
+          <p:cNvSpPr>
+            <a:spLocks noGrp="1" noRot="1" noChangeAspect="1" noMove="1" noResize="1" noEditPoints="1" noAdjustHandles="1" noChangeArrowheads="1" noChangeShapeType="1" noTextEdit="1"/>
+          </p:cNvSpPr>
+          <p:nvPr>
+            <p:extLst>
+              <p:ext uri="{386F3935-93C4-4BCD-93E2-E3B085C9AB24}">
+                <p16:designElem xmlns:p16="http://schemas.microsoft.com/office/powerpoint/2015/main" val="1"/>
+              </p:ext>
+            </p:extLst>
+          </p:nvPr>
+        </p:nvSpPr>
+        <p:spPr>
+          <a:xfrm>
+            <a:off x="0" y="-3"/>
+            <a:ext cx="4660126" cy="6858000"/>
+          </a:xfrm>
+          <a:prstGeom prst="rect">
+            <a:avLst/>
+          </a:prstGeom>
+          <a:solidFill>
+            <a:schemeClr val="tx2"/>
+          </a:solidFill>
+          <a:ln>
+            <a:noFill/>
+          </a:ln>
+          <a:effectLst/>
+        </p:spPr>
+        <p:style>
+          <a:lnRef idx="1">
+            <a:schemeClr val="accent1"/>
+          </a:lnRef>
+          <a:fillRef idx="3">
+            <a:schemeClr val="accent1"/>
+          </a:fillRef>
+          <a:effectRef idx="2">
+            <a:schemeClr val="accent1"/>
+          </a:effectRef>
+          <a:fontRef idx="minor">
+            <a:schemeClr val="lt1"/>
+          </a:fontRef>
+        </p:style>
+        <p:txBody>
+          <a:bodyPr/>
+          <a:lstStyle/>
+          <a:p>
+            <a:endParaRPr lang="en-US"/>
+          </a:p>
+        </p:txBody>
+      </p:sp>
+      <p:sp>
+        <p:nvSpPr>
+          <p:cNvPr id="26" name="Isosceles Triangle 25">
+            <a:extLst>
+              <a:ext uri="{FF2B5EF4-FFF2-40B4-BE49-F238E27FC236}">
+                <a16:creationId xmlns:a16="http://schemas.microsoft.com/office/drawing/2014/main" id="{73772B81-181F-48B7-8826-4D9686D15DF5}"/>
+              </a:ext>
+              <a:ext uri="{C183D7F6-B498-43B3-948B-1728B52AA6E4}">
+                <adec:decorative xmlns:adec="http://schemas.microsoft.com/office/drawing/2017/decorative" val="1"/>
+              </a:ext>
+            </a:extLst>
+          </p:cNvPr>
+          <p:cNvSpPr>
+            <a:spLocks noGrp="1" noRot="1" noChangeAspect="1" noMove="1" noResize="1" noEditPoints="1" noAdjustHandles="1" noChangeArrowheads="1" noChangeShapeType="1" noTextEdit="1"/>
+          </p:cNvSpPr>
+          <p:nvPr>
+            <p:extLst>
+              <p:ext uri="{386F3935-93C4-4BCD-93E2-E3B085C9AB24}">
+                <p16:designElem xmlns:p16="http://schemas.microsoft.com/office/powerpoint/2015/main" val="1"/>
+              </p:ext>
+            </p:extLst>
+          </p:nvPr>
+        </p:nvSpPr>
+        <p:spPr>
+          <a:xfrm rot="10800000">
+            <a:off x="4660127" y="-3"/>
+            <a:ext cx="1056745" cy="6858001"/>
+          </a:xfrm>
+          <a:prstGeom prst="triangle">
+            <a:avLst>
+              <a:gd name="adj" fmla="val 100000"/>
+            </a:avLst>
+          </a:prstGeom>
+          <a:solidFill>
+            <a:schemeClr val="tx2"/>
+          </a:solidFill>
+          <a:ln>
+            <a:noFill/>
+          </a:ln>
+          <a:effectLst/>
+        </p:spPr>
+        <p:style>
+          <a:lnRef idx="1">
+            <a:schemeClr val="accent1"/>
+          </a:lnRef>
+          <a:fillRef idx="3">
+            <a:schemeClr val="accent1"/>
+          </a:fillRef>
+          <a:effectRef idx="2">
+            <a:schemeClr val="accent1"/>
+          </a:effectRef>
+          <a:fontRef idx="minor">
+            <a:schemeClr val="lt1"/>
+          </a:fontRef>
+        </p:style>
+        <p:txBody>
+          <a:bodyPr/>
+          <a:lstStyle/>
+          <a:p>
+            <a:endParaRPr lang="en-US" dirty="0"/>
+          </a:p>
+        </p:txBody>
+      </p:sp>
+      <p:sp>
+        <p:nvSpPr>
+          <p:cNvPr id="3" name="Content Placeholder 2">
+            <a:extLst>
+              <a:ext uri="{FF2B5EF4-FFF2-40B4-BE49-F238E27FC236}">
+                <a16:creationId xmlns:a16="http://schemas.microsoft.com/office/drawing/2014/main" id="{4F1C3376-05E8-4F12-A9F8-BE72FB788124}"/>
+              </a:ext>
+            </a:extLst>
+          </p:cNvPr>
+          <p:cNvSpPr>
+            <a:spLocks noGrp="1"/>
+          </p:cNvSpPr>
+          <p:nvPr>
+            <p:ph idx="1"/>
+          </p:nvPr>
+        </p:nvSpPr>
+        <p:spPr>
+          <a:xfrm>
+            <a:off x="673754" y="1545482"/>
+            <a:ext cx="3983123" cy="4055218"/>
+          </a:xfrm>
+        </p:spPr>
+        <p:txBody>
+          <a:bodyPr vert="horz" lIns="91440" tIns="45720" rIns="91440" bIns="45720" rtlCol="0" anchor="t">
+            <a:normAutofit/>
+          </a:bodyPr>
+          <a:lstStyle/>
+          <a:p>
+            <a:r>
+              <a:rPr lang="en-US" dirty="0">
+                <a:solidFill>
+                  <a:schemeClr val="bg1"/>
+                </a:solidFill>
+                <a:ea typeface="+mn-lt"/>
+                <a:cs typeface="+mn-lt"/>
+              </a:rPr>
+              <a:t>We get the contours of this mask to extract each individual shape, iterate through them all and mark the one with the largest area.</a:t>
+            </a:r>
+            <a:endParaRPr lang="en-US" dirty="0">
+              <a:solidFill>
+                <a:schemeClr val="bg1"/>
+              </a:solidFill>
+            </a:endParaRPr>
+          </a:p>
+          <a:p>
+            <a:r>
+              <a:rPr lang="en-US" dirty="0">
+                <a:solidFill>
+                  <a:schemeClr val="bg1"/>
+                </a:solidFill>
+                <a:ea typeface="+mn-lt"/>
+                <a:cs typeface="+mn-lt"/>
+              </a:rPr>
+              <a:t>We perform a morph close on this mask with a large ellipse, and then open it after, this gives us a nice clean mask of just our glacier.</a:t>
+            </a:r>
+          </a:p>
+          <a:p>
+            <a:r>
+              <a:rPr lang="en-US" dirty="0">
+                <a:solidFill>
+                  <a:schemeClr val="bg1"/>
+                </a:solidFill>
+                <a:ea typeface="+mn-lt"/>
+                <a:cs typeface="+mn-lt"/>
+              </a:rPr>
+              <a:t>We also create a mask of the outline of this contour which we will use for smoothing later.</a:t>
+            </a:r>
+            <a:endParaRPr lang="en-US">
+              <a:solidFill>
+                <a:schemeClr val="bg1"/>
+              </a:solidFill>
+            </a:endParaRPr>
+          </a:p>
+        </p:txBody>
+      </p:sp>
+      <p:pic>
+        <p:nvPicPr>
+          <p:cNvPr id="2" name="Picture 3" descr="A screenshot of a cell phone&#10;&#10;Description generated with very high confidence">
+            <a:extLst>
+              <a:ext uri="{FF2B5EF4-FFF2-40B4-BE49-F238E27FC236}">
+                <a16:creationId xmlns:a16="http://schemas.microsoft.com/office/drawing/2014/main" id="{24E7A34F-B593-4BB7-9775-D120F1AA4112}"/>
+              </a:ext>
+            </a:extLst>
+          </p:cNvPr>
+          <p:cNvPicPr>
+            <a:picLocks noChangeAspect="1"/>
+          </p:cNvPicPr>
+          <p:nvPr/>
+        </p:nvPicPr>
+        <p:blipFill>
+          <a:blip r:embed="rId2"/>
+          <a:stretch>
+            <a:fillRect/>
+          </a:stretch>
+        </p:blipFill>
+        <p:spPr>
+          <a:xfrm>
+            <a:off x="6096002" y="-2528"/>
+            <a:ext cx="5143498" cy="3857624"/>
+          </a:xfrm>
+          <a:prstGeom prst="rect">
+            <a:avLst/>
+          </a:prstGeom>
+        </p:spPr>
+      </p:pic>
+      <p:sp>
+        <p:nvSpPr>
+          <p:cNvPr id="28" name="Isosceles Triangle 27">
+            <a:extLst>
+              <a:ext uri="{FF2B5EF4-FFF2-40B4-BE49-F238E27FC236}">
+                <a16:creationId xmlns:a16="http://schemas.microsoft.com/office/drawing/2014/main" id="{B2205F6E-03C6-4E92-877C-E2482F6599AA}"/>
+              </a:ext>
+              <a:ext uri="{C183D7F6-B498-43B3-948B-1728B52AA6E4}">
+                <adec:decorative xmlns:adec="http://schemas.microsoft.com/office/drawing/2017/decorative" val="1"/>
+              </a:ext>
+            </a:extLst>
+          </p:cNvPr>
+          <p:cNvSpPr>
+            <a:spLocks noGrp="1" noRot="1" noChangeAspect="1" noMove="1" noResize="1" noEditPoints="1" noAdjustHandles="1" noChangeArrowheads="1" noChangeShapeType="1" noTextEdit="1"/>
+          </p:cNvSpPr>
+          <p:nvPr>
+            <p:extLst>
+              <p:ext uri="{386F3935-93C4-4BCD-93E2-E3B085C9AB24}">
+                <p16:designElem xmlns:p16="http://schemas.microsoft.com/office/powerpoint/2015/main" val="1"/>
+              </p:ext>
+            </p:extLst>
+          </p:nvPr>
+        </p:nvSpPr>
+        <p:spPr>
+          <a:xfrm flipH="1">
+            <a:off x="11755696" y="4013200"/>
+            <a:ext cx="448733" cy="2844800"/>
+          </a:xfrm>
+          <a:prstGeom prst="triangle">
+            <a:avLst>
+              <a:gd name="adj" fmla="val 0"/>
+            </a:avLst>
+          </a:prstGeom>
+          <a:solidFill>
+            <a:schemeClr val="accent1">
+              <a:alpha val="85000"/>
+            </a:schemeClr>
+          </a:solidFill>
+          <a:ln>
+            <a:noFill/>
+          </a:ln>
+          <a:effectLst/>
+        </p:spPr>
+        <p:style>
+          <a:lnRef idx="1">
+            <a:schemeClr val="accent1"/>
+          </a:lnRef>
+          <a:fillRef idx="3">
+            <a:schemeClr val="accent1"/>
+          </a:fillRef>
+          <a:effectRef idx="2">
+            <a:schemeClr val="accent1"/>
+          </a:effectRef>
+          <a:fontRef idx="minor">
+            <a:schemeClr val="lt1"/>
+          </a:fontRef>
+        </p:style>
+        <p:txBody>
+          <a:bodyPr/>
+          <a:lstStyle/>
+          <a:p>
+            <a:endParaRPr lang="en-US" dirty="0"/>
+          </a:p>
+        </p:txBody>
+      </p:sp>
+      <p:pic>
+        <p:nvPicPr>
+          <p:cNvPr id="4" name="Picture 4" descr="A screenshot of a cell phone&#10;&#10;Description generated with high confidence">
+            <a:extLst>
+              <a:ext uri="{FF2B5EF4-FFF2-40B4-BE49-F238E27FC236}">
+                <a16:creationId xmlns:a16="http://schemas.microsoft.com/office/drawing/2014/main" id="{CCFC06FD-06CE-43F4-ADC2-9FF7C1AE72E0}"/>
+              </a:ext>
+            </a:extLst>
+          </p:cNvPr>
+          <p:cNvPicPr>
+            <a:picLocks noChangeAspect="1"/>
+          </p:cNvPicPr>
+          <p:nvPr/>
+        </p:nvPicPr>
+        <p:blipFill rotWithShape="1">
+          <a:blip r:embed="rId3"/>
+          <a:srcRect l="71" t="13507" r="107" b="-162"/>
+          <a:stretch/>
+        </p:blipFill>
+        <p:spPr>
+          <a:xfrm>
+            <a:off x="6096000" y="3501987"/>
+            <a:ext cx="5139379" cy="3358034"/>
+          </a:xfrm>
+          <a:prstGeom prst="rect">
+            <a:avLst/>
+          </a:prstGeom>
+        </p:spPr>
+      </p:pic>
+    </p:spTree>
+    <p:extLst>
+      <p:ext uri="{BB962C8B-B14F-4D97-AF65-F5344CB8AC3E}">
+        <p14:creationId xmlns:p14="http://schemas.microsoft.com/office/powerpoint/2010/main" val="847210354"/>
+      </p:ext>
+    </p:extLst>
+  </p:cSld>
+  <p:clrMapOvr>
+    <a:masterClrMapping/>
+  </p:clrMapOvr>
+</p:sld>
+</file>
+
+<file path=ppt/slides/slide7.xml><?xml version="1.0" encoding="utf-8"?>
+<p:sld xmlns:a="http://schemas.openxmlformats.org/drawingml/2006/main" xmlns:r="http://schemas.openxmlformats.org/officeDocument/2006/relationships" xmlns:p="http://schemas.openxmlformats.org/presentationml/2006/main">
+  <p:cSld>
+    <p:bg>
+      <p:bgPr>
+        <a:solidFill>
+          <a:schemeClr val="bg1"/>
+        </a:solidFill>
+        <a:effectLst/>
+      </p:bgPr>
+    </p:bg>
+    <p:spTree>
+      <p:nvGrpSpPr>
+        <p:cNvPr id="1" name=""/>
+        <p:cNvGrpSpPr/>
+        <p:nvPr/>
+      </p:nvGrpSpPr>
+      <p:grpSpPr>
+        <a:xfrm>
+          <a:off x="0" y="0"/>
+          <a:ext cx="0" cy="0"/>
+          <a:chOff x="0" y="0"/>
+          <a:chExt cx="0" cy="0"/>
+        </a:xfrm>
+      </p:grpSpPr>
+      <p:sp useBgFill="1">
+        <p:nvSpPr>
+          <p:cNvPr id="22" name="Rectangle 21">
+            <a:extLst>
+              <a:ext uri="{FF2B5EF4-FFF2-40B4-BE49-F238E27FC236}">
+                <a16:creationId xmlns:a16="http://schemas.microsoft.com/office/drawing/2014/main" id="{9F4444CE-BC8D-4D61-B303-4C05614E62AB}"/>
+              </a:ext>
+              <a:ext uri="{C183D7F6-B498-43B3-948B-1728B52AA6E4}">
+                <adec:decorative xmlns:adec="http://schemas.microsoft.com/office/drawing/2017/decorative" val="1"/>
+              </a:ext>
+            </a:extLst>
+          </p:cNvPr>
+          <p:cNvSpPr>
+            <a:spLocks noGrp="1" noRot="1" noChangeAspect="1" noMove="1" noResize="1" noEditPoints="1" noAdjustHandles="1" noChangeArrowheads="1" noChangeShapeType="1" noTextEdit="1"/>
+          </p:cNvSpPr>
+          <p:nvPr>
+            <p:extLst>
+              <p:ext uri="{386F3935-93C4-4BCD-93E2-E3B085C9AB24}">
+                <p16:designElem xmlns:p16="http://schemas.microsoft.com/office/powerpoint/2015/main" val="1"/>
+              </p:ext>
+            </p:extLst>
+          </p:nvPr>
+        </p:nvSpPr>
+        <p:spPr>
+          <a:xfrm>
+            <a:off x="0" y="0"/>
+            <a:ext cx="12192000" cy="6858000"/>
+          </a:xfrm>
+          <a:prstGeom prst="rect">
+            <a:avLst/>
+          </a:prstGeom>
+          <a:ln>
+            <a:noFill/>
+          </a:ln>
+        </p:spPr>
+        <p:style>
+          <a:lnRef idx="2">
+            <a:schemeClr val="accent1">
+              <a:shade val="50000"/>
+            </a:schemeClr>
+          </a:lnRef>
+          <a:fillRef idx="1">
+            <a:schemeClr val="accent1"/>
+          </a:fillRef>
+          <a:effectRef idx="0">
+            <a:schemeClr val="accent1"/>
+          </a:effectRef>
+          <a:fontRef idx="minor">
+            <a:schemeClr val="lt1"/>
+          </a:fontRef>
+        </p:style>
+        <p:txBody>
+          <a:bodyPr rtlCol="0" anchor="ctr"/>
+          <a:lstStyle/>
+          <a:p>
+            <a:pPr algn="ctr"/>
+            <a:endParaRPr lang="en-US"/>
+          </a:p>
+        </p:txBody>
+      </p:sp>
+      <p:sp>
+        <p:nvSpPr>
+          <p:cNvPr id="24" name="Rectangle 23">
+            <a:extLst>
+              <a:ext uri="{FF2B5EF4-FFF2-40B4-BE49-F238E27FC236}">
+                <a16:creationId xmlns:a16="http://schemas.microsoft.com/office/drawing/2014/main" id="{62423CA5-E2E1-4789-B759-9906C1C94063}"/>
+              </a:ext>
+              <a:ext uri="{C183D7F6-B498-43B3-948B-1728B52AA6E4}">
+                <adec:decorative xmlns:adec="http://schemas.microsoft.com/office/drawing/2017/decorative" val="1"/>
+              </a:ext>
+            </a:extLst>
+          </p:cNvPr>
+          <p:cNvSpPr>
+            <a:spLocks noGrp="1" noRot="1" noChangeAspect="1" noMove="1" noResize="1" noEditPoints="1" noAdjustHandles="1" noChangeArrowheads="1" noChangeShapeType="1" noTextEdit="1"/>
+          </p:cNvSpPr>
+          <p:nvPr>
+            <p:extLst>
+              <p:ext uri="{386F3935-93C4-4BCD-93E2-E3B085C9AB24}">
+                <p16:designElem xmlns:p16="http://schemas.microsoft.com/office/powerpoint/2015/main" val="1"/>
+              </p:ext>
+            </p:extLst>
+          </p:nvPr>
+        </p:nvSpPr>
+        <p:spPr>
+          <a:xfrm>
+            <a:off x="0" y="-3"/>
+            <a:ext cx="4660126" cy="6858000"/>
+          </a:xfrm>
+          <a:prstGeom prst="rect">
+            <a:avLst/>
+          </a:prstGeom>
+          <a:solidFill>
+            <a:schemeClr val="tx2"/>
+          </a:solidFill>
+          <a:ln>
+            <a:noFill/>
+          </a:ln>
+          <a:effectLst/>
+        </p:spPr>
+        <p:style>
+          <a:lnRef idx="1">
+            <a:schemeClr val="accent1"/>
+          </a:lnRef>
+          <a:fillRef idx="3">
+            <a:schemeClr val="accent1"/>
+          </a:fillRef>
+          <a:effectRef idx="2">
+            <a:schemeClr val="accent1"/>
+          </a:effectRef>
+          <a:fontRef idx="minor">
+            <a:schemeClr val="lt1"/>
+          </a:fontRef>
+        </p:style>
+        <p:txBody>
+          <a:bodyPr/>
+          <a:lstStyle/>
+          <a:p>
+            <a:endParaRPr lang="en-US"/>
+          </a:p>
+        </p:txBody>
+      </p:sp>
+      <p:sp>
+        <p:nvSpPr>
+          <p:cNvPr id="26" name="Isosceles Triangle 25">
+            <a:extLst>
+              <a:ext uri="{FF2B5EF4-FFF2-40B4-BE49-F238E27FC236}">
+                <a16:creationId xmlns:a16="http://schemas.microsoft.com/office/drawing/2014/main" id="{73772B81-181F-48B7-8826-4D9686D15DF5}"/>
+              </a:ext>
+              <a:ext uri="{C183D7F6-B498-43B3-948B-1728B52AA6E4}">
+                <adec:decorative xmlns:adec="http://schemas.microsoft.com/office/drawing/2017/decorative" val="1"/>
+              </a:ext>
+            </a:extLst>
+          </p:cNvPr>
+          <p:cNvSpPr>
+            <a:spLocks noGrp="1" noRot="1" noChangeAspect="1" noMove="1" noResize="1" noEditPoints="1" noAdjustHandles="1" noChangeArrowheads="1" noChangeShapeType="1" noTextEdit="1"/>
+          </p:cNvSpPr>
+          <p:nvPr>
+            <p:extLst>
+              <p:ext uri="{386F3935-93C4-4BCD-93E2-E3B085C9AB24}">
+                <p16:designElem xmlns:p16="http://schemas.microsoft.com/office/powerpoint/2015/main" val="1"/>
+              </p:ext>
+            </p:extLst>
+          </p:nvPr>
+        </p:nvSpPr>
+        <p:spPr>
+          <a:xfrm rot="10800000">
+            <a:off x="4660127" y="-3"/>
+            <a:ext cx="1056745" cy="6858001"/>
+          </a:xfrm>
+          <a:prstGeom prst="triangle">
+            <a:avLst>
+              <a:gd name="adj" fmla="val 100000"/>
+            </a:avLst>
+          </a:prstGeom>
+          <a:solidFill>
+            <a:schemeClr val="tx2"/>
+          </a:solidFill>
+          <a:ln>
+            <a:noFill/>
+          </a:ln>
+          <a:effectLst/>
+        </p:spPr>
+        <p:style>
+          <a:lnRef idx="1">
+            <a:schemeClr val="accent1"/>
+          </a:lnRef>
+          <a:fillRef idx="3">
+            <a:schemeClr val="accent1"/>
+          </a:fillRef>
+          <a:effectRef idx="2">
+            <a:schemeClr val="accent1"/>
+          </a:effectRef>
+          <a:fontRef idx="minor">
+            <a:schemeClr val="lt1"/>
+          </a:fontRef>
+        </p:style>
+        <p:txBody>
+          <a:bodyPr/>
+          <a:lstStyle/>
+          <a:p>
+            <a:endParaRPr lang="en-US" dirty="0"/>
+          </a:p>
+        </p:txBody>
+      </p:sp>
+      <p:sp>
+        <p:nvSpPr>
+          <p:cNvPr id="3" name="Content Placeholder 2">
+            <a:extLst>
+              <a:ext uri="{FF2B5EF4-FFF2-40B4-BE49-F238E27FC236}">
+                <a16:creationId xmlns:a16="http://schemas.microsoft.com/office/drawing/2014/main" id="{4F1C3376-05E8-4F12-A9F8-BE72FB788124}"/>
+              </a:ext>
+            </a:extLst>
+          </p:cNvPr>
+          <p:cNvSpPr>
+            <a:spLocks noGrp="1"/>
+          </p:cNvSpPr>
+          <p:nvPr>
+            <p:ph idx="1"/>
+          </p:nvPr>
+        </p:nvSpPr>
+        <p:spPr>
+          <a:xfrm>
+            <a:off x="673754" y="2160590"/>
+            <a:ext cx="3973943" cy="3440110"/>
+          </a:xfrm>
+        </p:spPr>
+        <p:txBody>
+          <a:bodyPr vert="horz" lIns="91440" tIns="45720" rIns="91440" bIns="45720" rtlCol="0" anchor="t">
+            <a:normAutofit/>
+          </a:bodyPr>
+          <a:lstStyle/>
+          <a:p>
+            <a:r>
+              <a:rPr lang="en-US" dirty="0">
+                <a:solidFill>
+                  <a:schemeClr val="bg1"/>
+                </a:solidFill>
+                <a:ea typeface="+mn-lt"/>
+                <a:cs typeface="+mn-lt"/>
+              </a:rPr>
+              <a:t>We can now combine the images using the mask as the area of interest. </a:t>
+            </a:r>
+            <a:endParaRPr lang="en-US" dirty="0">
+              <a:solidFill>
+                <a:schemeClr val="bg1"/>
+              </a:solidFill>
+            </a:endParaRPr>
+          </a:p>
+          <a:p>
+            <a:r>
+              <a:rPr lang="en-US" dirty="0">
+                <a:solidFill>
+                  <a:schemeClr val="bg1"/>
+                </a:solidFill>
+                <a:ea typeface="+mn-lt"/>
+                <a:cs typeface="+mn-lt"/>
+              </a:rPr>
+              <a:t>This will give us a view that appears as if the glacier had never eroded away at all. </a:t>
+            </a:r>
+            <a:endParaRPr lang="en-US">
+              <a:solidFill>
+                <a:schemeClr val="bg1"/>
+              </a:solidFill>
+              <a:ea typeface="+mn-lt"/>
+              <a:cs typeface="+mn-lt"/>
+            </a:endParaRPr>
+          </a:p>
+          <a:p>
+            <a:r>
+              <a:rPr lang="en-US" dirty="0">
+                <a:solidFill>
+                  <a:schemeClr val="bg1"/>
+                </a:solidFill>
+                <a:ea typeface="+mn-lt"/>
+                <a:cs typeface="+mn-lt"/>
+              </a:rPr>
+              <a:t>We also use the contour border mask we create earlier to help blend the two images together using the </a:t>
+            </a:r>
+            <a:r>
+              <a:rPr lang="en-US" dirty="0" err="1">
+                <a:solidFill>
+                  <a:schemeClr val="bg1"/>
+                </a:solidFill>
+                <a:ea typeface="+mn-lt"/>
+                <a:cs typeface="+mn-lt"/>
+              </a:rPr>
+              <a:t>inpaint</a:t>
+            </a:r>
+            <a:r>
+              <a:rPr lang="en-US" dirty="0">
+                <a:solidFill>
+                  <a:schemeClr val="bg1"/>
+                </a:solidFill>
+                <a:ea typeface="+mn-lt"/>
+                <a:cs typeface="+mn-lt"/>
+              </a:rPr>
+              <a:t> function.</a:t>
+            </a:r>
+            <a:endParaRPr lang="en-US">
+              <a:solidFill>
+                <a:schemeClr val="bg1"/>
+              </a:solidFill>
+            </a:endParaRPr>
+          </a:p>
+        </p:txBody>
+      </p:sp>
+      <p:pic>
+        <p:nvPicPr>
+          <p:cNvPr id="2" name="Picture 3" descr="A close up of a mountain&#10;&#10;Description generated with high confidence">
+            <a:extLst>
+              <a:ext uri="{FF2B5EF4-FFF2-40B4-BE49-F238E27FC236}">
+                <a16:creationId xmlns:a16="http://schemas.microsoft.com/office/drawing/2014/main" id="{24E7A34F-B593-4BB7-9775-D120F1AA4112}"/>
+              </a:ext>
+            </a:extLst>
+          </p:cNvPr>
+          <p:cNvPicPr>
+            <a:picLocks noChangeAspect="1"/>
+          </p:cNvPicPr>
+          <p:nvPr/>
+        </p:nvPicPr>
+        <p:blipFill rotWithShape="1">
+          <a:blip r:embed="rId2"/>
+          <a:srcRect l="5536" t="24048" r="5893" b="18333"/>
+          <a:stretch/>
+        </p:blipFill>
+        <p:spPr>
+          <a:xfrm>
+            <a:off x="5526797" y="1907063"/>
+            <a:ext cx="6226565" cy="3039813"/>
+          </a:xfrm>
+          <a:prstGeom prst="rect">
+            <a:avLst/>
+          </a:prstGeom>
+        </p:spPr>
+      </p:pic>
+      <p:sp>
+        <p:nvSpPr>
+          <p:cNvPr id="28" name="Isosceles Triangle 27">
+            <a:extLst>
+              <a:ext uri="{FF2B5EF4-FFF2-40B4-BE49-F238E27FC236}">
+                <a16:creationId xmlns:a16="http://schemas.microsoft.com/office/drawing/2014/main" id="{B2205F6E-03C6-4E92-877C-E2482F6599AA}"/>
+              </a:ext>
+              <a:ext uri="{C183D7F6-B498-43B3-948B-1728B52AA6E4}">
+                <adec:decorative xmlns:adec="http://schemas.microsoft.com/office/drawing/2017/decorative" val="1"/>
+              </a:ext>
+            </a:extLst>
+          </p:cNvPr>
+          <p:cNvSpPr>
+            <a:spLocks noGrp="1" noRot="1" noChangeAspect="1" noMove="1" noResize="1" noEditPoints="1" noAdjustHandles="1" noChangeArrowheads="1" noChangeShapeType="1" noTextEdit="1"/>
+          </p:cNvSpPr>
+          <p:nvPr>
+            <p:extLst>
+              <p:ext uri="{386F3935-93C4-4BCD-93E2-E3B085C9AB24}">
+                <p16:designElem xmlns:p16="http://schemas.microsoft.com/office/powerpoint/2015/main" val="1"/>
+              </p:ext>
+            </p:extLst>
+          </p:nvPr>
+        </p:nvSpPr>
+        <p:spPr>
+          <a:xfrm flipH="1">
+            <a:off x="11755696" y="4013200"/>
+            <a:ext cx="448733" cy="2844800"/>
+          </a:xfrm>
+          <a:prstGeom prst="triangle">
+            <a:avLst>
+              <a:gd name="adj" fmla="val 0"/>
+            </a:avLst>
+          </a:prstGeom>
+          <a:solidFill>
+            <a:schemeClr val="accent1">
+              <a:alpha val="85000"/>
+            </a:schemeClr>
+          </a:solidFill>
+          <a:ln>
+            <a:noFill/>
+          </a:ln>
+          <a:effectLst/>
+        </p:spPr>
+        <p:style>
+          <a:lnRef idx="1">
+            <a:schemeClr val="accent1"/>
+          </a:lnRef>
+          <a:fillRef idx="3">
+            <a:schemeClr val="accent1"/>
+          </a:fillRef>
+          <a:effectRef idx="2">
+            <a:schemeClr val="accent1"/>
+          </a:effectRef>
+          <a:fontRef idx="minor">
+            <a:schemeClr val="lt1"/>
+          </a:fontRef>
+        </p:style>
+        <p:txBody>
+          <a:bodyPr/>
+          <a:lstStyle/>
+          <a:p>
+            <a:endParaRPr lang="en-US" dirty="0"/>
+          </a:p>
+        </p:txBody>
+      </p:sp>
+    </p:spTree>
+    <p:extLst>
+      <p:ext uri="{BB962C8B-B14F-4D97-AF65-F5344CB8AC3E}">
+        <p14:creationId xmlns:p14="http://schemas.microsoft.com/office/powerpoint/2010/main" val="3465232517"/>
+      </p:ext>
+    </p:extLst>
+  </p:cSld>
+  <p:clrMapOvr>
+    <a:masterClrMapping/>
+  </p:clrMapOvr>
+</p:sld>
+</file>
+
+<file path=ppt/slides/slide8.xml><?xml version="1.0" encoding="utf-8"?>
+<p:sld xmlns:a="http://schemas.openxmlformats.org/drawingml/2006/main" xmlns:r="http://schemas.openxmlformats.org/officeDocument/2006/relationships" xmlns:p="http://schemas.openxmlformats.org/presentationml/2006/main">
+  <p:cSld>
+    <p:spTree>
+      <p:nvGrpSpPr>
+        <p:cNvPr id="1" name=""/>
+        <p:cNvGrpSpPr/>
+        <p:nvPr/>
+      </p:nvGrpSpPr>
+      <p:grpSpPr>
+        <a:xfrm>
+          <a:off x="0" y="0"/>
+          <a:ext cx="0" cy="0"/>
+          <a:chOff x="0" y="0"/>
+          <a:chExt cx="0" cy="0"/>
+        </a:xfrm>
+      </p:grpSpPr>
+      <p:sp>
+        <p:nvSpPr>
+          <p:cNvPr id="2" name="Title 1">
+            <a:extLst>
+              <a:ext uri="{FF2B5EF4-FFF2-40B4-BE49-F238E27FC236}">
+                <a16:creationId xmlns:a16="http://schemas.microsoft.com/office/drawing/2014/main" id="{04BF7172-0797-4B85-8622-E75865A865A9}"/>
+              </a:ext>
+            </a:extLst>
+          </p:cNvPr>
+          <p:cNvSpPr>
+            <a:spLocks noGrp="1"/>
+          </p:cNvSpPr>
+          <p:nvPr>
+            <p:ph type="title"/>
+          </p:nvPr>
+        </p:nvSpPr>
+        <p:spPr/>
+        <p:txBody>
+          <a:bodyPr/>
+          <a:lstStyle/>
+          <a:p>
+            <a:r>
+              <a:rPr lang="en-IE" dirty="0"/>
+              <a:t>Feature finding</a:t>
+            </a:r>
+            <a:endParaRPr lang="en-150" dirty="0"/>
+          </a:p>
+        </p:txBody>
+      </p:sp>
+      <p:sp>
+        <p:nvSpPr>
+          <p:cNvPr id="3" name="Content Placeholder 2">
+            <a:extLst>
+              <a:ext uri="{FF2B5EF4-FFF2-40B4-BE49-F238E27FC236}">
+                <a16:creationId xmlns:a16="http://schemas.microsoft.com/office/drawing/2014/main" id="{17E1A1F9-A7B7-43F3-9EDC-BB7E84290265}"/>
+              </a:ext>
+            </a:extLst>
+          </p:cNvPr>
+          <p:cNvSpPr>
+            <a:spLocks noGrp="1"/>
+          </p:cNvSpPr>
+          <p:nvPr>
+            <p:ph idx="1"/>
+          </p:nvPr>
+        </p:nvSpPr>
+        <p:spPr/>
+        <p:txBody>
+          <a:bodyPr/>
+          <a:lstStyle/>
+          <a:p>
+            <a:endParaRPr lang="en-150"/>
+          </a:p>
+        </p:txBody>
+      </p:sp>
+    </p:spTree>
+    <p:extLst>
+      <p:ext uri="{BB962C8B-B14F-4D97-AF65-F5344CB8AC3E}">
+        <p14:creationId xmlns:p14="http://schemas.microsoft.com/office/powerpoint/2010/main" val="2690344496"/>
+      </p:ext>
+    </p:extLst>
+  </p:cSld>
+  <p:clrMapOvr>
+    <a:masterClrMapping/>
+  </p:clrMapOvr>
+</p:sld>
+</file>
+
+<file path=ppt/slides/slide9.xml><?xml version="1.0" encoding="utf-8"?>
+<p:sld xmlns:a="http://schemas.openxmlformats.org/drawingml/2006/main" xmlns:r="http://schemas.openxmlformats.org/officeDocument/2006/relationships" xmlns:p="http://schemas.openxmlformats.org/presentationml/2006/main">
+  <p:cSld>
+    <p:spTree>
+      <p:nvGrpSpPr>
+        <p:cNvPr id="1" name=""/>
+        <p:cNvGrpSpPr/>
+        <p:nvPr/>
+      </p:nvGrpSpPr>
+      <p:grpSpPr>
+        <a:xfrm>
+          <a:off x="0" y="0"/>
+          <a:ext cx="0" cy="0"/>
+          <a:chOff x="0" y="0"/>
+          <a:chExt cx="0" cy="0"/>
+        </a:xfrm>
+      </p:grpSpPr>
+      <p:sp>
+        <p:nvSpPr>
+          <p:cNvPr id="2" name="Title 1">
+            <a:extLst>
+              <a:ext uri="{FF2B5EF4-FFF2-40B4-BE49-F238E27FC236}">
+                <a16:creationId xmlns:a16="http://schemas.microsoft.com/office/drawing/2014/main" id="{6AD1CAD4-A235-4C50-B26C-A64673BEAB26}"/>
+              </a:ext>
+            </a:extLst>
+          </p:cNvPr>
+          <p:cNvSpPr>
+            <a:spLocks noGrp="1"/>
+          </p:cNvSpPr>
+          <p:nvPr>
+            <p:ph type="title"/>
+          </p:nvPr>
+        </p:nvSpPr>
+        <p:spPr/>
+        <p:txBody>
+          <a:bodyPr/>
+          <a:lstStyle/>
+          <a:p>
+            <a:r>
+              <a:rPr lang="en-IE" dirty="0"/>
+              <a:t>Masking &amp; morphology</a:t>
+            </a:r>
+            <a:endParaRPr lang="en-150" dirty="0"/>
+          </a:p>
+        </p:txBody>
+      </p:sp>
+      <p:graphicFrame>
+        <p:nvGraphicFramePr>
+          <p:cNvPr id="4" name="Content Placeholder 3">
+            <a:extLst>
+              <a:ext uri="{FF2B5EF4-FFF2-40B4-BE49-F238E27FC236}">
+                <a16:creationId xmlns:a16="http://schemas.microsoft.com/office/drawing/2014/main" id="{A04A9191-33D7-4A12-8579-2E4CF4991420}"/>
+              </a:ext>
+            </a:extLst>
+          </p:cNvPr>
+          <p:cNvGraphicFramePr>
+            <a:graphicFrameLocks noGrp="1"/>
+          </p:cNvGraphicFramePr>
+          <p:nvPr>
+            <p:ph idx="1"/>
+            <p:extLst>
+              <p:ext uri="{D42A27DB-BD31-4B8C-83A1-F6EECF244321}">
+                <p14:modId xmlns:p14="http://schemas.microsoft.com/office/powerpoint/2010/main" val="2851793413"/>
+              </p:ext>
+            </p:extLst>
+          </p:nvPr>
+        </p:nvGraphicFramePr>
+        <p:xfrm>
+          <a:off x="677334" y="1930400"/>
+          <a:ext cx="8596668" cy="3880773"/>
+        </p:xfrm>
+        <a:graphic>
+          <a:graphicData uri="http://schemas.openxmlformats.org/drawingml/2006/diagram">
+            <dgm:relIds xmlns:dgm="http://schemas.openxmlformats.org/drawingml/2006/diagram" xmlns:r="http://schemas.openxmlformats.org/officeDocument/2006/relationships" r:dm="rId2" r:lo="rId3" r:qs="rId4" r:cs="rId5"/>
+          </a:graphicData>
+        </a:graphic>
+      </p:graphicFrame>
+    </p:spTree>
+    <p:extLst>
+      <p:ext uri="{BB962C8B-B14F-4D97-AF65-F5344CB8AC3E}">
+        <p14:creationId xmlns:p14="http://schemas.microsoft.com/office/powerpoint/2010/main" val="1726168728"/>
       </p:ext>
     </p:extLst>
   </p:cSld>
